--- a/卢老师论文汇报/1206汇报.pptx
+++ b/卢老师论文汇报/1206汇报.pptx
@@ -271,7 +271,7 @@
           <a:p>
             <a:fld id="{05D1DEA3-224F-45CD-ABFB-AAB1758CA7DD}" type="datetimeFigureOut">
               <a:rPr lang="zh-CN" altLang="en-US" smtClean="0"/>
-              <a:t>2023/11/30</a:t>
+              <a:t>2023/12/4</a:t>
             </a:fld>
             <a:endParaRPr lang="zh-CN" altLang="en-US"/>
           </a:p>
@@ -469,7 +469,7 @@
           <a:p>
             <a:fld id="{05D1DEA3-224F-45CD-ABFB-AAB1758CA7DD}" type="datetimeFigureOut">
               <a:rPr lang="zh-CN" altLang="en-US" smtClean="0"/>
-              <a:t>2023/11/30</a:t>
+              <a:t>2023/12/4</a:t>
             </a:fld>
             <a:endParaRPr lang="zh-CN" altLang="en-US"/>
           </a:p>
@@ -677,7 +677,7 @@
           <a:p>
             <a:fld id="{05D1DEA3-224F-45CD-ABFB-AAB1758CA7DD}" type="datetimeFigureOut">
               <a:rPr lang="zh-CN" altLang="en-US" smtClean="0"/>
-              <a:t>2023/11/30</a:t>
+              <a:t>2023/12/4</a:t>
             </a:fld>
             <a:endParaRPr lang="zh-CN" altLang="en-US"/>
           </a:p>
@@ -875,7 +875,7 @@
           <a:p>
             <a:fld id="{05D1DEA3-224F-45CD-ABFB-AAB1758CA7DD}" type="datetimeFigureOut">
               <a:rPr lang="zh-CN" altLang="en-US" smtClean="0"/>
-              <a:t>2023/11/30</a:t>
+              <a:t>2023/12/4</a:t>
             </a:fld>
             <a:endParaRPr lang="zh-CN" altLang="en-US"/>
           </a:p>
@@ -1150,7 +1150,7 @@
           <a:p>
             <a:fld id="{05D1DEA3-224F-45CD-ABFB-AAB1758CA7DD}" type="datetimeFigureOut">
               <a:rPr lang="zh-CN" altLang="en-US" smtClean="0"/>
-              <a:t>2023/11/30</a:t>
+              <a:t>2023/12/4</a:t>
             </a:fld>
             <a:endParaRPr lang="zh-CN" altLang="en-US"/>
           </a:p>
@@ -1415,7 +1415,7 @@
           <a:p>
             <a:fld id="{05D1DEA3-224F-45CD-ABFB-AAB1758CA7DD}" type="datetimeFigureOut">
               <a:rPr lang="zh-CN" altLang="en-US" smtClean="0"/>
-              <a:t>2023/11/30</a:t>
+              <a:t>2023/12/4</a:t>
             </a:fld>
             <a:endParaRPr lang="zh-CN" altLang="en-US"/>
           </a:p>
@@ -1827,7 +1827,7 @@
           <a:p>
             <a:fld id="{05D1DEA3-224F-45CD-ABFB-AAB1758CA7DD}" type="datetimeFigureOut">
               <a:rPr lang="zh-CN" altLang="en-US" smtClean="0"/>
-              <a:t>2023/11/30</a:t>
+              <a:t>2023/12/4</a:t>
             </a:fld>
             <a:endParaRPr lang="zh-CN" altLang="en-US"/>
           </a:p>
@@ -1968,7 +1968,7 @@
           <a:p>
             <a:fld id="{05D1DEA3-224F-45CD-ABFB-AAB1758CA7DD}" type="datetimeFigureOut">
               <a:rPr lang="zh-CN" altLang="en-US" smtClean="0"/>
-              <a:t>2023/11/30</a:t>
+              <a:t>2023/12/4</a:t>
             </a:fld>
             <a:endParaRPr lang="zh-CN" altLang="en-US"/>
           </a:p>
@@ -2081,7 +2081,7 @@
           <a:p>
             <a:fld id="{05D1DEA3-224F-45CD-ABFB-AAB1758CA7DD}" type="datetimeFigureOut">
               <a:rPr lang="zh-CN" altLang="en-US" smtClean="0"/>
-              <a:t>2023/11/30</a:t>
+              <a:t>2023/12/4</a:t>
             </a:fld>
             <a:endParaRPr lang="zh-CN" altLang="en-US"/>
           </a:p>
@@ -2392,7 +2392,7 @@
           <a:p>
             <a:fld id="{05D1DEA3-224F-45CD-ABFB-AAB1758CA7DD}" type="datetimeFigureOut">
               <a:rPr lang="zh-CN" altLang="en-US" smtClean="0"/>
-              <a:t>2023/11/30</a:t>
+              <a:t>2023/12/4</a:t>
             </a:fld>
             <a:endParaRPr lang="zh-CN" altLang="en-US"/>
           </a:p>
@@ -2680,7 +2680,7 @@
           <a:p>
             <a:fld id="{05D1DEA3-224F-45CD-ABFB-AAB1758CA7DD}" type="datetimeFigureOut">
               <a:rPr lang="zh-CN" altLang="en-US" smtClean="0"/>
-              <a:t>2023/11/30</a:t>
+              <a:t>2023/12/4</a:t>
             </a:fld>
             <a:endParaRPr lang="zh-CN" altLang="en-US"/>
           </a:p>
@@ -2921,7 +2921,7 @@
           <a:p>
             <a:fld id="{05D1DEA3-224F-45CD-ABFB-AAB1758CA7DD}" type="datetimeFigureOut">
               <a:rPr lang="zh-CN" altLang="en-US" smtClean="0"/>
-              <a:t>2023/11/30</a:t>
+              <a:t>2023/12/4</a:t>
             </a:fld>
             <a:endParaRPr lang="zh-CN" altLang="en-US"/>
           </a:p>
@@ -5013,7 +5013,7 @@
             <a:prstDash val="dash"/>
             <a:extLst>
               <a:ext uri="{C807C97D-BFC1-408E-A445-0C87EB9F89A2}">
-                <ask:lineSketchStyleProps xmlns:ask="http://schemas.microsoft.com/office/drawing/2018/sketchyshapes" xmlns="" sd="1219033472">
+                <ask:lineSketchStyleProps xmlns:ask="http://schemas.microsoft.com/office/drawing/2018/sketchyshapes" sd="1219033472">
                   <a:custGeom>
                     <a:avLst/>
                     <a:gdLst>
@@ -5309,7 +5309,7 @@
             <a:prstDash val="dash"/>
             <a:extLst>
               <a:ext uri="{C807C97D-BFC1-408E-A445-0C87EB9F89A2}">
-                <ask:lineSketchStyleProps xmlns:ask="http://schemas.microsoft.com/office/drawing/2018/sketchyshapes" xmlns="" sd="1219033472">
+                <ask:lineSketchStyleProps xmlns:ask="http://schemas.microsoft.com/office/drawing/2018/sketchyshapes" sd="1219033472">
                   <a:custGeom>
                     <a:avLst/>
                     <a:gdLst>
@@ -6464,7 +6464,7 @@
             <a:prstDash val="dash"/>
             <a:extLst>
               <a:ext uri="{C807C97D-BFC1-408E-A445-0C87EB9F89A2}">
-                <ask:lineSketchStyleProps xmlns:ask="http://schemas.microsoft.com/office/drawing/2018/sketchyshapes" xmlns="" sd="1219033472">
+                <ask:lineSketchStyleProps xmlns:ask="http://schemas.microsoft.com/office/drawing/2018/sketchyshapes" sd="1219033472">
                   <a:custGeom>
                     <a:avLst/>
                     <a:gdLst>
@@ -7000,7 +7000,7 @@
             <a:prstDash val="dash"/>
             <a:extLst>
               <a:ext uri="{C807C97D-BFC1-408E-A445-0C87EB9F89A2}">
-                <ask:lineSketchStyleProps xmlns:ask="http://schemas.microsoft.com/office/drawing/2018/sketchyshapes" xmlns="" sd="1219033472">
+                <ask:lineSketchStyleProps xmlns:ask="http://schemas.microsoft.com/office/drawing/2018/sketchyshapes" sd="1219033472">
                   <a:custGeom>
                     <a:avLst/>
                     <a:gdLst>
@@ -8736,7 +8736,7 @@
         <p:spPr>
           <a:xfrm>
             <a:off x="499533" y="501640"/>
-            <a:ext cx="11065933" cy="1384995"/>
+            <a:ext cx="11065933" cy="1600438"/>
           </a:xfrm>
           <a:prstGeom prst="rect">
             <a:avLst/>
@@ -8750,71 +8750,128 @@
           <a:p>
             <a:r>
               <a:rPr lang="zh-CN" altLang="en-US" sz="1400" dirty="0"/>
-              <a:t>加噪声mae——0.2465701312752955,rmse——0.28615303704207473</a:t>
-            </a:r>
-          </a:p>
-          <a:p>
+              <a:t>加噪声</a:t>
+            </a:r>
+            <a:r>
+              <a:rPr lang="en-US" altLang="zh-CN" sz="1400" dirty="0" err="1"/>
+              <a:t>mae</a:t>
+            </a:r>
+            <a:r>
+              <a:rPr lang="en-US" altLang="zh-CN" sz="1400" dirty="0"/>
+              <a:t>——0.11995559922533103,rmse——0.13151789860245602</a:t>
+            </a:r>
+          </a:p>
+          <a:p>
+            <a:r>
+              <a:rPr lang="en-US" altLang="zh-CN" sz="1400" dirty="0"/>
+              <a:t>XGB</a:t>
+            </a:r>
             <a:r>
               <a:rPr lang="zh-CN" altLang="en-US" sz="1400" dirty="0"/>
-              <a:t>XGB加噪声加特征选择算法mae——0.06087248807941396,rmse——0.06482241401494004</a:t>
-            </a:r>
-          </a:p>
-          <a:p>
+              <a:t>加噪声加特征选择算法</a:t>
+            </a:r>
+            <a:r>
+              <a:rPr lang="en-US" altLang="zh-CN" sz="1400" dirty="0" err="1"/>
+              <a:t>mae</a:t>
+            </a:r>
+            <a:r>
+              <a:rPr lang="en-US" altLang="zh-CN" sz="1400" dirty="0"/>
+              <a:t>——0.05938308546268871,rmse——0.06296878643063888</a:t>
+            </a:r>
+          </a:p>
+          <a:p>
+            <a:r>
+              <a:rPr lang="en-US" altLang="zh-CN" sz="1400" dirty="0"/>
+              <a:t>LR</a:t>
+            </a:r>
             <a:r>
               <a:rPr lang="zh-CN" altLang="en-US" sz="1400" dirty="0"/>
-              <a:t>LR加噪声加特征选择算法mae——0.047529893713883026,rmse——0.05214537393298238</a:t>
-            </a:r>
-          </a:p>
-          <a:p>
+              <a:t>加噪声加特征选择算法</a:t>
+            </a:r>
+            <a:r>
+              <a:rPr lang="en-US" altLang="zh-CN" sz="1400" dirty="0" err="1"/>
+              <a:t>mae</a:t>
+            </a:r>
+            <a:r>
+              <a:rPr lang="en-US" altLang="zh-CN" sz="1400" dirty="0"/>
+              <a:t>——0.02999314554831794,rmse——0.03232256056641626</a:t>
+            </a:r>
+          </a:p>
+          <a:p>
+            <a:r>
+              <a:rPr lang="en-US" altLang="zh-CN" sz="1400" dirty="0"/>
+              <a:t>TLS</a:t>
+            </a:r>
             <a:r>
               <a:rPr lang="zh-CN" altLang="en-US" sz="1400" dirty="0"/>
-              <a:t>TLS加噪声加特征选择算法mae——0.053788058151196666,rmse——0.05788625235794276</a:t>
-            </a:r>
-          </a:p>
-          <a:p>
+              <a:t>加噪声加特征选择算法</a:t>
+            </a:r>
+            <a:r>
+              <a:rPr lang="en-US" altLang="zh-CN" sz="1400" dirty="0" err="1"/>
+              <a:t>mae</a:t>
+            </a:r>
+            <a:r>
+              <a:rPr lang="en-US" altLang="zh-CN" sz="1400" dirty="0"/>
+              <a:t>——0.0573134011271229,rmse——0.060457389189286906</a:t>
+            </a:r>
+          </a:p>
+          <a:p>
+            <a:r>
+              <a:rPr lang="en-US" altLang="zh-CN" sz="1400" dirty="0"/>
+              <a:t>CNN</a:t>
+            </a:r>
             <a:r>
               <a:rPr lang="zh-CN" altLang="en-US" sz="1400" dirty="0"/>
-              <a:t>SVM加噪声加特征选择算法mae——0.15545467852240746,rmse——0.15823847342808928</a:t>
-            </a:r>
-          </a:p>
-          <a:p>
+              <a:t>加噪声加特征选择算法</a:t>
+            </a:r>
+            <a:r>
+              <a:rPr lang="en-US" altLang="zh-CN" sz="1400" dirty="0" err="1"/>
+              <a:t>mae</a:t>
+            </a:r>
+            <a:r>
+              <a:rPr lang="en-US" altLang="zh-CN" sz="1400" dirty="0"/>
+              <a:t>——0.30667768673482293,rmse——0.3098768224774491</a:t>
+            </a:r>
+          </a:p>
+          <a:p>
+            <a:r>
+              <a:rPr lang="en-US" altLang="zh-CN" sz="1400" dirty="0"/>
+              <a:t>SVM</a:t>
+            </a:r>
             <a:r>
               <a:rPr lang="zh-CN" altLang="en-US" sz="1400" dirty="0"/>
-              <a:t>GPR加噪声加特征选择算法mae——0.6394324070390534,rmse——0.7926516907894314</a:t>
-            </a:r>
-          </a:p>
-        </p:txBody>
-      </p:sp>
-      <p:pic>
-        <p:nvPicPr>
-          <p:cNvPr id="3" name="图片 2">
-            <a:extLst>
-              <a:ext uri="{FF2B5EF4-FFF2-40B4-BE49-F238E27FC236}">
-                <a16:creationId xmlns:a16="http://schemas.microsoft.com/office/drawing/2014/main" id="{FCE8C680-B81E-4BF9-9C8F-37A41A184277}"/>
-              </a:ext>
-            </a:extLst>
-          </p:cNvPr>
-          <p:cNvPicPr>
-            <a:picLocks noChangeAspect="1"/>
-          </p:cNvPicPr>
-          <p:nvPr/>
-        </p:nvPicPr>
-        <p:blipFill>
-          <a:blip r:embed="rId2"/>
-          <a:stretch>
-            <a:fillRect/>
-          </a:stretch>
-        </p:blipFill>
-        <p:spPr>
-          <a:xfrm>
-            <a:off x="499533" y="3069695"/>
-            <a:ext cx="6648450" cy="1514475"/>
-          </a:xfrm>
-          <a:prstGeom prst="rect">
-            <a:avLst/>
-          </a:prstGeom>
-        </p:spPr>
-      </p:pic>
+              <a:t>加噪声加特征选择算法</a:t>
+            </a:r>
+            <a:r>
+              <a:rPr lang="en-US" altLang="zh-CN" sz="1400" dirty="0" err="1"/>
+              <a:t>mae</a:t>
+            </a:r>
+            <a:r>
+              <a:rPr lang="en-US" altLang="zh-CN" sz="1400" dirty="0"/>
+              <a:t>——0.15160527534433083,rmse——0.1544007502990881</a:t>
+            </a:r>
+          </a:p>
+          <a:p>
+            <a:r>
+              <a:rPr lang="en-US" altLang="zh-CN" sz="1400" dirty="0"/>
+              <a:t>GPR</a:t>
+            </a:r>
+            <a:r>
+              <a:rPr lang="zh-CN" altLang="en-US" sz="1400" dirty="0"/>
+              <a:t>加噪声加特征选择算法</a:t>
+            </a:r>
+            <a:r>
+              <a:rPr lang="en-US" altLang="zh-CN" sz="1400" dirty="0" err="1"/>
+              <a:t>mae</a:t>
+            </a:r>
+            <a:r>
+              <a:rPr lang="en-US" altLang="zh-CN" sz="1400" dirty="0"/>
+              <a:t>——0.6082472917982797,rmse——0.801039970025873</a:t>
+            </a:r>
+            <a:endParaRPr lang="zh-CN" altLang="en-US" sz="1400" dirty="0"/>
+          </a:p>
+        </p:txBody>
+      </p:sp>
     </p:spTree>
     <p:extLst>
       <p:ext uri="{BB962C8B-B14F-4D97-AF65-F5344CB8AC3E}">

--- a/卢老师论文汇报/1206汇报.pptx
+++ b/卢老师论文汇报/1206汇报.pptx
@@ -5,19 +5,19 @@
     <p:sldMasterId id="2147483648" r:id="rId1"/>
   </p:sldMasterIdLst>
   <p:sldIdLst>
-    <p:sldId id="421" r:id="rId2"/>
-    <p:sldId id="422" r:id="rId3"/>
-    <p:sldId id="435" r:id="rId4"/>
-    <p:sldId id="436" r:id="rId5"/>
-    <p:sldId id="437" r:id="rId6"/>
-    <p:sldId id="450" r:id="rId7"/>
-    <p:sldId id="451" r:id="rId8"/>
-    <p:sldId id="438" r:id="rId9"/>
-    <p:sldId id="440" r:id="rId10"/>
-    <p:sldId id="439" r:id="rId11"/>
-    <p:sldId id="441" r:id="rId12"/>
-    <p:sldId id="442" r:id="rId13"/>
-    <p:sldId id="443" r:id="rId14"/>
+    <p:sldId id="438" r:id="rId2"/>
+    <p:sldId id="440" r:id="rId3"/>
+    <p:sldId id="439" r:id="rId4"/>
+    <p:sldId id="441" r:id="rId5"/>
+    <p:sldId id="442" r:id="rId6"/>
+    <p:sldId id="443" r:id="rId7"/>
+    <p:sldId id="421" r:id="rId8"/>
+    <p:sldId id="422" r:id="rId9"/>
+    <p:sldId id="435" r:id="rId10"/>
+    <p:sldId id="436" r:id="rId11"/>
+    <p:sldId id="437" r:id="rId12"/>
+    <p:sldId id="450" r:id="rId13"/>
+    <p:sldId id="451" r:id="rId14"/>
   </p:sldIdLst>
   <p:sldSz cx="12192000" cy="6858000"/>
   <p:notesSz cx="6858000" cy="9144000"/>
@@ -271,7 +271,7 @@
           <a:p>
             <a:fld id="{05D1DEA3-224F-45CD-ABFB-AAB1758CA7DD}" type="datetimeFigureOut">
               <a:rPr lang="zh-CN" altLang="en-US" smtClean="0"/>
-              <a:t>2023/12/4</a:t>
+              <a:t>2023/12/5</a:t>
             </a:fld>
             <a:endParaRPr lang="zh-CN" altLang="en-US"/>
           </a:p>
@@ -469,7 +469,7 @@
           <a:p>
             <a:fld id="{05D1DEA3-224F-45CD-ABFB-AAB1758CA7DD}" type="datetimeFigureOut">
               <a:rPr lang="zh-CN" altLang="en-US" smtClean="0"/>
-              <a:t>2023/12/4</a:t>
+              <a:t>2023/12/5</a:t>
             </a:fld>
             <a:endParaRPr lang="zh-CN" altLang="en-US"/>
           </a:p>
@@ -677,7 +677,7 @@
           <a:p>
             <a:fld id="{05D1DEA3-224F-45CD-ABFB-AAB1758CA7DD}" type="datetimeFigureOut">
               <a:rPr lang="zh-CN" altLang="en-US" smtClean="0"/>
-              <a:t>2023/12/4</a:t>
+              <a:t>2023/12/5</a:t>
             </a:fld>
             <a:endParaRPr lang="zh-CN" altLang="en-US"/>
           </a:p>
@@ -875,7 +875,7 @@
           <a:p>
             <a:fld id="{05D1DEA3-224F-45CD-ABFB-AAB1758CA7DD}" type="datetimeFigureOut">
               <a:rPr lang="zh-CN" altLang="en-US" smtClean="0"/>
-              <a:t>2023/12/4</a:t>
+              <a:t>2023/12/5</a:t>
             </a:fld>
             <a:endParaRPr lang="zh-CN" altLang="en-US"/>
           </a:p>
@@ -1150,7 +1150,7 @@
           <a:p>
             <a:fld id="{05D1DEA3-224F-45CD-ABFB-AAB1758CA7DD}" type="datetimeFigureOut">
               <a:rPr lang="zh-CN" altLang="en-US" smtClean="0"/>
-              <a:t>2023/12/4</a:t>
+              <a:t>2023/12/5</a:t>
             </a:fld>
             <a:endParaRPr lang="zh-CN" altLang="en-US"/>
           </a:p>
@@ -1415,7 +1415,7 @@
           <a:p>
             <a:fld id="{05D1DEA3-224F-45CD-ABFB-AAB1758CA7DD}" type="datetimeFigureOut">
               <a:rPr lang="zh-CN" altLang="en-US" smtClean="0"/>
-              <a:t>2023/12/4</a:t>
+              <a:t>2023/12/5</a:t>
             </a:fld>
             <a:endParaRPr lang="zh-CN" altLang="en-US"/>
           </a:p>
@@ -1827,7 +1827,7 @@
           <a:p>
             <a:fld id="{05D1DEA3-224F-45CD-ABFB-AAB1758CA7DD}" type="datetimeFigureOut">
               <a:rPr lang="zh-CN" altLang="en-US" smtClean="0"/>
-              <a:t>2023/12/4</a:t>
+              <a:t>2023/12/5</a:t>
             </a:fld>
             <a:endParaRPr lang="zh-CN" altLang="en-US"/>
           </a:p>
@@ -1968,7 +1968,7 @@
           <a:p>
             <a:fld id="{05D1DEA3-224F-45CD-ABFB-AAB1758CA7DD}" type="datetimeFigureOut">
               <a:rPr lang="zh-CN" altLang="en-US" smtClean="0"/>
-              <a:t>2023/12/4</a:t>
+              <a:t>2023/12/5</a:t>
             </a:fld>
             <a:endParaRPr lang="zh-CN" altLang="en-US"/>
           </a:p>
@@ -2081,7 +2081,7 @@
           <a:p>
             <a:fld id="{05D1DEA3-224F-45CD-ABFB-AAB1758CA7DD}" type="datetimeFigureOut">
               <a:rPr lang="zh-CN" altLang="en-US" smtClean="0"/>
-              <a:t>2023/12/4</a:t>
+              <a:t>2023/12/5</a:t>
             </a:fld>
             <a:endParaRPr lang="zh-CN" altLang="en-US"/>
           </a:p>
@@ -2392,7 +2392,7 @@
           <a:p>
             <a:fld id="{05D1DEA3-224F-45CD-ABFB-AAB1758CA7DD}" type="datetimeFigureOut">
               <a:rPr lang="zh-CN" altLang="en-US" smtClean="0"/>
-              <a:t>2023/12/4</a:t>
+              <a:t>2023/12/5</a:t>
             </a:fld>
             <a:endParaRPr lang="zh-CN" altLang="en-US"/>
           </a:p>
@@ -2680,7 +2680,7 @@
           <a:p>
             <a:fld id="{05D1DEA3-224F-45CD-ABFB-AAB1758CA7DD}" type="datetimeFigureOut">
               <a:rPr lang="zh-CN" altLang="en-US" smtClean="0"/>
-              <a:t>2023/12/4</a:t>
+              <a:t>2023/12/5</a:t>
             </a:fld>
             <a:endParaRPr lang="zh-CN" altLang="en-US"/>
           </a:p>
@@ -2921,7 +2921,7 @@
           <a:p>
             <a:fld id="{05D1DEA3-224F-45CD-ABFB-AAB1758CA7DD}" type="datetimeFigureOut">
               <a:rPr lang="zh-CN" altLang="en-US" smtClean="0"/>
-              <a:t>2023/12/4</a:t>
+              <a:t>2023/12/5</a:t>
             </a:fld>
             <a:endParaRPr lang="zh-CN" altLang="en-US"/>
           </a:p>
@@ -3340,6 +3340,1715 @@
       </p:grpSpPr>
       <p:sp>
         <p:nvSpPr>
+          <p:cNvPr id="4" name="文本框 3">
+            <a:extLst>
+              <a:ext uri="{FF2B5EF4-FFF2-40B4-BE49-F238E27FC236}">
+                <a16:creationId xmlns:a16="http://schemas.microsoft.com/office/drawing/2014/main" id="{C8C66590-5AA9-4693-8D05-DB6B2C455FC8}"/>
+              </a:ext>
+            </a:extLst>
+          </p:cNvPr>
+          <p:cNvSpPr txBox="1"/>
+          <p:nvPr/>
+        </p:nvSpPr>
+        <p:spPr>
+          <a:xfrm>
+            <a:off x="1023115" y="305942"/>
+            <a:ext cx="9794514" cy="1316258"/>
+          </a:xfrm>
+          <a:prstGeom prst="rect">
+            <a:avLst/>
+          </a:prstGeom>
+          <a:noFill/>
+        </p:spPr>
+        <p:txBody>
+          <a:bodyPr wrap="square" rtlCol="0">
+            <a:spAutoFit/>
+          </a:bodyPr>
+          <a:lstStyle/>
+          <a:p>
+            <a:pPr>
+              <a:lnSpc>
+                <a:spcPct val="150000"/>
+              </a:lnSpc>
+            </a:pPr>
+            <a:r>
+              <a:rPr lang="en-US" altLang="zh-CN" sz="2800" b="0" i="0" dirty="0">
+                <a:solidFill>
+                  <a:srgbClr val="000000"/>
+                </a:solidFill>
+                <a:effectLst/>
+                <a:latin typeface="Arial" panose="020B0604020202020204" pitchFamily="34" charset="0"/>
+              </a:rPr>
+              <a:t>Remaining Useful Life Prediction for Lithium-Ion Battery: A Deep Learning Approach</a:t>
+            </a:r>
+            <a:endParaRPr lang="en-US" altLang="zh-CN" sz="2800" b="1" dirty="0">
+              <a:latin typeface="+mn-ea"/>
+            </a:endParaRPr>
+          </a:p>
+        </p:txBody>
+      </p:sp>
+      <p:pic>
+        <p:nvPicPr>
+          <p:cNvPr id="5" name="图片 4">
+            <a:extLst>
+              <a:ext uri="{FF2B5EF4-FFF2-40B4-BE49-F238E27FC236}">
+                <a16:creationId xmlns:a16="http://schemas.microsoft.com/office/drawing/2014/main" id="{59D1D5BD-ECD7-7680-E84A-172EE573C7FF}"/>
+              </a:ext>
+            </a:extLst>
+          </p:cNvPr>
+          <p:cNvPicPr>
+            <a:picLocks noChangeAspect="1"/>
+          </p:cNvPicPr>
+          <p:nvPr/>
+        </p:nvPicPr>
+        <p:blipFill>
+          <a:blip r:embed="rId2"/>
+          <a:stretch>
+            <a:fillRect/>
+          </a:stretch>
+        </p:blipFill>
+        <p:spPr>
+          <a:xfrm>
+            <a:off x="6409124" y="2716639"/>
+            <a:ext cx="5620644" cy="4067619"/>
+          </a:xfrm>
+          <a:prstGeom prst="rect">
+            <a:avLst/>
+          </a:prstGeom>
+        </p:spPr>
+      </p:pic>
+    </p:spTree>
+    <p:extLst>
+      <p:ext uri="{BB962C8B-B14F-4D97-AF65-F5344CB8AC3E}">
+        <p14:creationId xmlns:p14="http://schemas.microsoft.com/office/powerpoint/2010/main" val="735947507"/>
+      </p:ext>
+    </p:extLst>
+  </p:cSld>
+  <p:clrMapOvr>
+    <a:masterClrMapping/>
+  </p:clrMapOvr>
+</p:sld>
+</file>
+
+<file path=ppt/slides/slide10.xml><?xml version="1.0" encoding="utf-8"?>
+<p:sld xmlns:a="http://schemas.openxmlformats.org/drawingml/2006/main" xmlns:r="http://schemas.openxmlformats.org/officeDocument/2006/relationships" xmlns:p="http://schemas.openxmlformats.org/presentationml/2006/main">
+  <p:cSld>
+    <p:spTree>
+      <p:nvGrpSpPr>
+        <p:cNvPr id="1" name=""/>
+        <p:cNvGrpSpPr/>
+        <p:nvPr/>
+      </p:nvGrpSpPr>
+      <p:grpSpPr>
+        <a:xfrm>
+          <a:off x="0" y="0"/>
+          <a:ext cx="0" cy="0"/>
+          <a:chOff x="0" y="0"/>
+          <a:chExt cx="0" cy="0"/>
+        </a:xfrm>
+      </p:grpSpPr>
+      <p:sp>
+        <p:nvSpPr>
+          <p:cNvPr id="4" name="文本框 3">
+            <a:extLst>
+              <a:ext uri="{FF2B5EF4-FFF2-40B4-BE49-F238E27FC236}">
+                <a16:creationId xmlns:a16="http://schemas.microsoft.com/office/drawing/2014/main" id="{C8C66590-5AA9-4693-8D05-DB6B2C455FC8}"/>
+              </a:ext>
+            </a:extLst>
+          </p:cNvPr>
+          <p:cNvSpPr txBox="1"/>
+          <p:nvPr/>
+        </p:nvSpPr>
+        <p:spPr>
+          <a:xfrm>
+            <a:off x="1023115" y="305942"/>
+            <a:ext cx="9794514" cy="673005"/>
+          </a:xfrm>
+          <a:prstGeom prst="rect">
+            <a:avLst/>
+          </a:prstGeom>
+          <a:noFill/>
+        </p:spPr>
+        <p:txBody>
+          <a:bodyPr wrap="square" rtlCol="0">
+            <a:spAutoFit/>
+          </a:bodyPr>
+          <a:lstStyle/>
+          <a:p>
+            <a:pPr>
+              <a:lnSpc>
+                <a:spcPct val="150000"/>
+              </a:lnSpc>
+            </a:pPr>
+            <a:r>
+              <a:rPr lang="en-US" altLang="zh-CN" sz="2800" b="1" dirty="0">
+                <a:latin typeface="+mn-ea"/>
+              </a:rPr>
+              <a:t>result</a:t>
+            </a:r>
+            <a:r>
+              <a:rPr lang="zh-CN" altLang="en-US" sz="2800" dirty="0">
+                <a:latin typeface="+mn-ea"/>
+              </a:rPr>
+              <a:t>（无噪声特征选择）</a:t>
+            </a:r>
+            <a:endParaRPr lang="en-US" altLang="zh-CN" sz="2800" dirty="0">
+              <a:latin typeface="+mn-ea"/>
+            </a:endParaRPr>
+          </a:p>
+        </p:txBody>
+      </p:sp>
+      <p:pic>
+        <p:nvPicPr>
+          <p:cNvPr id="5" name="图片 4">
+            <a:extLst>
+              <a:ext uri="{FF2B5EF4-FFF2-40B4-BE49-F238E27FC236}">
+                <a16:creationId xmlns:a16="http://schemas.microsoft.com/office/drawing/2014/main" id="{067E24B4-71F7-7A2C-B2D6-DCF006BCC495}"/>
+              </a:ext>
+            </a:extLst>
+          </p:cNvPr>
+          <p:cNvPicPr>
+            <a:picLocks noChangeAspect="1"/>
+          </p:cNvPicPr>
+          <p:nvPr/>
+        </p:nvPicPr>
+        <p:blipFill>
+          <a:blip r:embed="rId2"/>
+          <a:stretch>
+            <a:fillRect/>
+          </a:stretch>
+        </p:blipFill>
+        <p:spPr>
+          <a:xfrm>
+            <a:off x="931259" y="1320302"/>
+            <a:ext cx="10325458" cy="1185482"/>
+          </a:xfrm>
+          <a:prstGeom prst="rect">
+            <a:avLst/>
+          </a:prstGeom>
+        </p:spPr>
+      </p:pic>
+      <p:pic>
+        <p:nvPicPr>
+          <p:cNvPr id="9" name="图片 8">
+            <a:extLst>
+              <a:ext uri="{FF2B5EF4-FFF2-40B4-BE49-F238E27FC236}">
+                <a16:creationId xmlns:a16="http://schemas.microsoft.com/office/drawing/2014/main" id="{8C023A80-9227-EB51-B876-3263E5C17ED3}"/>
+              </a:ext>
+            </a:extLst>
+          </p:cNvPr>
+          <p:cNvPicPr>
+            <a:picLocks noChangeAspect="1"/>
+          </p:cNvPicPr>
+          <p:nvPr/>
+        </p:nvPicPr>
+        <p:blipFill>
+          <a:blip r:embed="rId3"/>
+          <a:stretch>
+            <a:fillRect/>
+          </a:stretch>
+        </p:blipFill>
+        <p:spPr>
+          <a:xfrm>
+            <a:off x="931259" y="3314997"/>
+            <a:ext cx="9929345" cy="1122008"/>
+          </a:xfrm>
+          <a:prstGeom prst="rect">
+            <a:avLst/>
+          </a:prstGeom>
+        </p:spPr>
+      </p:pic>
+    </p:spTree>
+    <p:extLst>
+      <p:ext uri="{BB962C8B-B14F-4D97-AF65-F5344CB8AC3E}">
+        <p14:creationId xmlns:p14="http://schemas.microsoft.com/office/powerpoint/2010/main" val="941429771"/>
+      </p:ext>
+    </p:extLst>
+  </p:cSld>
+  <p:clrMapOvr>
+    <a:masterClrMapping/>
+  </p:clrMapOvr>
+</p:sld>
+</file>
+
+<file path=ppt/slides/slide11.xml><?xml version="1.0" encoding="utf-8"?>
+<p:sld xmlns:a="http://schemas.openxmlformats.org/drawingml/2006/main" xmlns:r="http://schemas.openxmlformats.org/officeDocument/2006/relationships" xmlns:p="http://schemas.openxmlformats.org/presentationml/2006/main">
+  <p:cSld>
+    <p:spTree>
+      <p:nvGrpSpPr>
+        <p:cNvPr id="1" name=""/>
+        <p:cNvGrpSpPr/>
+        <p:nvPr/>
+      </p:nvGrpSpPr>
+      <p:grpSpPr>
+        <a:xfrm>
+          <a:off x="0" y="0"/>
+          <a:ext cx="0" cy="0"/>
+          <a:chOff x="0" y="0"/>
+          <a:chExt cx="0" cy="0"/>
+        </a:xfrm>
+      </p:grpSpPr>
+      <p:sp>
+        <p:nvSpPr>
+          <p:cNvPr id="4" name="文本框 3">
+            <a:extLst>
+              <a:ext uri="{FF2B5EF4-FFF2-40B4-BE49-F238E27FC236}">
+                <a16:creationId xmlns:a16="http://schemas.microsoft.com/office/drawing/2014/main" id="{C8C66590-5AA9-4693-8D05-DB6B2C455FC8}"/>
+              </a:ext>
+            </a:extLst>
+          </p:cNvPr>
+          <p:cNvSpPr txBox="1"/>
+          <p:nvPr/>
+        </p:nvSpPr>
+        <p:spPr>
+          <a:xfrm>
+            <a:off x="1023115" y="305942"/>
+            <a:ext cx="9794514" cy="673005"/>
+          </a:xfrm>
+          <a:prstGeom prst="rect">
+            <a:avLst/>
+          </a:prstGeom>
+          <a:noFill/>
+        </p:spPr>
+        <p:txBody>
+          <a:bodyPr wrap="square" rtlCol="0">
+            <a:spAutoFit/>
+          </a:bodyPr>
+          <a:lstStyle/>
+          <a:p>
+            <a:pPr>
+              <a:lnSpc>
+                <a:spcPct val="150000"/>
+              </a:lnSpc>
+            </a:pPr>
+            <a:r>
+              <a:rPr lang="en-US" altLang="zh-CN" sz="2800" b="1" dirty="0">
+                <a:latin typeface="+mn-ea"/>
+              </a:rPr>
+              <a:t>result</a:t>
+            </a:r>
+            <a:endParaRPr lang="en-US" altLang="zh-CN" sz="2800" dirty="0">
+              <a:latin typeface="+mn-ea"/>
+            </a:endParaRPr>
+          </a:p>
+        </p:txBody>
+      </p:sp>
+      <p:sp>
+        <p:nvSpPr>
+          <p:cNvPr id="2" name="文本框 1">
+            <a:extLst>
+              <a:ext uri="{FF2B5EF4-FFF2-40B4-BE49-F238E27FC236}">
+                <a16:creationId xmlns:a16="http://schemas.microsoft.com/office/drawing/2014/main" id="{55E5A240-8A01-84B9-FD39-C52286AB3DFA}"/>
+              </a:ext>
+            </a:extLst>
+          </p:cNvPr>
+          <p:cNvSpPr txBox="1"/>
+          <p:nvPr/>
+        </p:nvSpPr>
+        <p:spPr>
+          <a:xfrm>
+            <a:off x="6726803" y="2445130"/>
+            <a:ext cx="5234125" cy="1200329"/>
+          </a:xfrm>
+          <a:prstGeom prst="rect">
+            <a:avLst/>
+          </a:prstGeom>
+          <a:noFill/>
+        </p:spPr>
+        <p:txBody>
+          <a:bodyPr wrap="none" rtlCol="0">
+            <a:spAutoFit/>
+          </a:bodyPr>
+          <a:lstStyle/>
+          <a:p>
+            <a:r>
+              <a:rPr lang="zh-CN" altLang="en-US" dirty="0"/>
+              <a:t>加噪声</a:t>
+            </a:r>
+            <a:r>
+              <a:rPr lang="en-US" altLang="zh-CN" dirty="0"/>
+              <a:t>-</a:t>
+            </a:r>
+            <a:r>
+              <a:rPr lang="zh-CN" altLang="en-US" dirty="0"/>
+              <a:t>加噪声加特征</a:t>
+            </a:r>
+            <a:r>
+              <a:rPr lang="en-US" altLang="zh-CN" dirty="0"/>
+              <a:t>/</a:t>
+            </a:r>
+            <a:r>
+              <a:rPr lang="zh-CN" altLang="en-US" dirty="0"/>
+              <a:t>加噪声（第二数据集更大）</a:t>
+            </a:r>
+            <a:endParaRPr lang="en-US" altLang="zh-CN" dirty="0"/>
+          </a:p>
+          <a:p>
+            <a:r>
+              <a:rPr lang="zh-CN" altLang="en-US" dirty="0"/>
+              <a:t>加特征选择但无噪声</a:t>
+            </a:r>
+            <a:endParaRPr lang="en-US" altLang="zh-CN" dirty="0"/>
+          </a:p>
+          <a:p>
+            <a:r>
+              <a:rPr lang="zh-CN" altLang="en-US" dirty="0"/>
+              <a:t>噪声变大算法效果趋势</a:t>
+            </a:r>
+            <a:endParaRPr lang="en-US" altLang="zh-CN" dirty="0"/>
+          </a:p>
+          <a:p>
+            <a:r>
+              <a:rPr lang="zh-CN" altLang="en-US" dirty="0"/>
+              <a:t>分量之间差去掉（先对比）</a:t>
+            </a:r>
+          </a:p>
+        </p:txBody>
+      </p:sp>
+      <p:pic>
+        <p:nvPicPr>
+          <p:cNvPr id="8" name="图片 7">
+            <a:extLst>
+              <a:ext uri="{FF2B5EF4-FFF2-40B4-BE49-F238E27FC236}">
+                <a16:creationId xmlns:a16="http://schemas.microsoft.com/office/drawing/2014/main" id="{95D69D2F-4673-040B-A30B-096BF3E84957}"/>
+              </a:ext>
+            </a:extLst>
+          </p:cNvPr>
+          <p:cNvPicPr>
+            <a:picLocks noChangeAspect="1"/>
+          </p:cNvPicPr>
+          <p:nvPr/>
+        </p:nvPicPr>
+        <p:blipFill>
+          <a:blip r:embed="rId2">
+            <a:extLst>
+              <a:ext uri="{28A0092B-C50C-407E-A947-70E740481C1C}">
+                <a14:useLocalDpi xmlns:a14="http://schemas.microsoft.com/office/drawing/2010/main" val="0"/>
+              </a:ext>
+            </a:extLst>
+          </a:blip>
+          <a:stretch>
+            <a:fillRect/>
+          </a:stretch>
+        </p:blipFill>
+        <p:spPr>
+          <a:xfrm>
+            <a:off x="746332" y="1450895"/>
+            <a:ext cx="5852172" cy="4389129"/>
+          </a:xfrm>
+          <a:prstGeom prst="rect">
+            <a:avLst/>
+          </a:prstGeom>
+        </p:spPr>
+      </p:pic>
+    </p:spTree>
+    <p:extLst>
+      <p:ext uri="{BB962C8B-B14F-4D97-AF65-F5344CB8AC3E}">
+        <p14:creationId xmlns:p14="http://schemas.microsoft.com/office/powerpoint/2010/main" val="3884249665"/>
+      </p:ext>
+    </p:extLst>
+  </p:cSld>
+  <p:clrMapOvr>
+    <a:masterClrMapping/>
+  </p:clrMapOvr>
+</p:sld>
+</file>
+
+<file path=ppt/slides/slide12.xml><?xml version="1.0" encoding="utf-8"?>
+<p:sld xmlns:a="http://schemas.openxmlformats.org/drawingml/2006/main" xmlns:r="http://schemas.openxmlformats.org/officeDocument/2006/relationships" xmlns:p="http://schemas.openxmlformats.org/presentationml/2006/main">
+  <p:cSld>
+    <p:spTree>
+      <p:nvGrpSpPr>
+        <p:cNvPr id="1" name=""/>
+        <p:cNvGrpSpPr/>
+        <p:nvPr/>
+      </p:nvGrpSpPr>
+      <p:grpSpPr>
+        <a:xfrm>
+          <a:off x="0" y="0"/>
+          <a:ext cx="0" cy="0"/>
+          <a:chOff x="0" y="0"/>
+          <a:chExt cx="0" cy="0"/>
+        </a:xfrm>
+      </p:grpSpPr>
+      <p:sp>
+        <p:nvSpPr>
+          <p:cNvPr id="2" name="矩形 1">
+            <a:extLst>
+              <a:ext uri="{FF2B5EF4-FFF2-40B4-BE49-F238E27FC236}">
+                <a16:creationId xmlns:a16="http://schemas.microsoft.com/office/drawing/2014/main" id="{AA84469A-F4CD-472D-91E9-01107890EA7A}"/>
+              </a:ext>
+            </a:extLst>
+          </p:cNvPr>
+          <p:cNvSpPr/>
+          <p:nvPr/>
+        </p:nvSpPr>
+        <p:spPr>
+          <a:xfrm>
+            <a:off x="499533" y="501640"/>
+            <a:ext cx="11065933" cy="1600438"/>
+          </a:xfrm>
+          <a:prstGeom prst="rect">
+            <a:avLst/>
+          </a:prstGeom>
+        </p:spPr>
+        <p:txBody>
+          <a:bodyPr wrap="square">
+            <a:spAutoFit/>
+          </a:bodyPr>
+          <a:lstStyle/>
+          <a:p>
+            <a:r>
+              <a:rPr lang="zh-CN" altLang="en-US" sz="1400" dirty="0"/>
+              <a:t>加噪声</a:t>
+            </a:r>
+            <a:r>
+              <a:rPr lang="en-US" altLang="zh-CN" sz="1400" dirty="0" err="1"/>
+              <a:t>mae</a:t>
+            </a:r>
+            <a:r>
+              <a:rPr lang="en-US" altLang="zh-CN" sz="1400" dirty="0"/>
+              <a:t>——0.13093118799580475,rmse——0.15272286646935945</a:t>
+            </a:r>
+          </a:p>
+          <a:p>
+            <a:r>
+              <a:rPr lang="en-US" altLang="zh-CN" sz="1400" dirty="0"/>
+              <a:t>XGB</a:t>
+            </a:r>
+            <a:r>
+              <a:rPr lang="zh-CN" altLang="en-US" sz="1400" dirty="0"/>
+              <a:t>加噪声加特征选择算法</a:t>
+            </a:r>
+            <a:r>
+              <a:rPr lang="en-US" altLang="zh-CN" sz="1400" dirty="0" err="1"/>
+              <a:t>mae</a:t>
+            </a:r>
+            <a:r>
+              <a:rPr lang="en-US" altLang="zh-CN" sz="1400" dirty="0"/>
+              <a:t>——0.060886915909605176,rmse——0.06482534585616785</a:t>
+            </a:r>
+          </a:p>
+          <a:p>
+            <a:r>
+              <a:rPr lang="en-US" altLang="zh-CN" sz="1400" dirty="0"/>
+              <a:t>TLS</a:t>
+            </a:r>
+            <a:r>
+              <a:rPr lang="zh-CN" altLang="en-US" sz="1400" dirty="0"/>
+              <a:t>加噪声加特征选择算法</a:t>
+            </a:r>
+            <a:r>
+              <a:rPr lang="en-US" altLang="zh-CN" sz="1400" dirty="0" err="1"/>
+              <a:t>mae</a:t>
+            </a:r>
+            <a:r>
+              <a:rPr lang="en-US" altLang="zh-CN" sz="1400" dirty="0"/>
+              <a:t>——0.06884068735039625,rmse——0.07183218730598398</a:t>
+            </a:r>
+          </a:p>
+          <a:p>
+            <a:r>
+              <a:rPr lang="en-US" altLang="zh-CN" sz="1400" dirty="0"/>
+              <a:t>PLS</a:t>
+            </a:r>
+            <a:r>
+              <a:rPr lang="zh-CN" altLang="en-US" sz="1400" dirty="0"/>
+              <a:t>加噪声加特征选择算法</a:t>
+            </a:r>
+            <a:r>
+              <a:rPr lang="en-US" altLang="zh-CN" sz="1400" dirty="0" err="1"/>
+              <a:t>mae</a:t>
+            </a:r>
+            <a:r>
+              <a:rPr lang="en-US" altLang="zh-CN" sz="1400" dirty="0"/>
+              <a:t>——0.050219588524978875,rmse——0.05257719989135986</a:t>
+            </a:r>
+          </a:p>
+          <a:p>
+            <a:r>
+              <a:rPr lang="en-US" altLang="zh-CN" sz="1400" dirty="0"/>
+              <a:t>CNN</a:t>
+            </a:r>
+            <a:r>
+              <a:rPr lang="zh-CN" altLang="en-US" sz="1400" dirty="0"/>
+              <a:t>加噪声加特征选择算法</a:t>
+            </a:r>
+            <a:r>
+              <a:rPr lang="en-US" altLang="zh-CN" sz="1400" dirty="0" err="1"/>
+              <a:t>mae</a:t>
+            </a:r>
+            <a:r>
+              <a:rPr lang="en-US" altLang="zh-CN" sz="1400" dirty="0"/>
+              <a:t>——0.3629259255928776,rmse——0.3678131260054198</a:t>
+            </a:r>
+          </a:p>
+          <a:p>
+            <a:r>
+              <a:rPr lang="en-US" altLang="zh-CN" sz="1400" dirty="0"/>
+              <a:t>SVM</a:t>
+            </a:r>
+            <a:r>
+              <a:rPr lang="zh-CN" altLang="en-US" sz="1400" dirty="0"/>
+              <a:t>加噪声加特征选择算法</a:t>
+            </a:r>
+            <a:r>
+              <a:rPr lang="en-US" altLang="zh-CN" sz="1400" dirty="0" err="1"/>
+              <a:t>mae</a:t>
+            </a:r>
+            <a:r>
+              <a:rPr lang="en-US" altLang="zh-CN" sz="1400" dirty="0"/>
+              <a:t>——0.1572922826941074,rmse——0.16051783272478862</a:t>
+            </a:r>
+          </a:p>
+          <a:p>
+            <a:r>
+              <a:rPr lang="en-US" altLang="zh-CN" sz="1400" dirty="0"/>
+              <a:t>GPR</a:t>
+            </a:r>
+            <a:r>
+              <a:rPr lang="zh-CN" altLang="en-US" sz="1400" dirty="0"/>
+              <a:t>加噪声加特征选择算法</a:t>
+            </a:r>
+            <a:r>
+              <a:rPr lang="en-US" altLang="zh-CN" sz="1400" dirty="0" err="1"/>
+              <a:t>mae</a:t>
+            </a:r>
+            <a:r>
+              <a:rPr lang="en-US" altLang="zh-CN" sz="1400" dirty="0"/>
+              <a:t>——0.6344708054430969,rmse——0.7218649427239197</a:t>
+            </a:r>
+            <a:endParaRPr lang="zh-CN" altLang="en-US" sz="1400" dirty="0"/>
+          </a:p>
+        </p:txBody>
+      </p:sp>
+    </p:spTree>
+    <p:extLst>
+      <p:ext uri="{BB962C8B-B14F-4D97-AF65-F5344CB8AC3E}">
+        <p14:creationId xmlns:p14="http://schemas.microsoft.com/office/powerpoint/2010/main" val="1070420701"/>
+      </p:ext>
+    </p:extLst>
+  </p:cSld>
+  <p:clrMapOvr>
+    <a:masterClrMapping/>
+  </p:clrMapOvr>
+</p:sld>
+</file>
+
+<file path=ppt/slides/slide13.xml><?xml version="1.0" encoding="utf-8"?>
+<p:sld xmlns:a="http://schemas.openxmlformats.org/drawingml/2006/main" xmlns:r="http://schemas.openxmlformats.org/officeDocument/2006/relationships" xmlns:p="http://schemas.openxmlformats.org/presentationml/2006/main">
+  <p:cSld>
+    <p:spTree>
+      <p:nvGrpSpPr>
+        <p:cNvPr id="1" name=""/>
+        <p:cNvGrpSpPr/>
+        <p:nvPr/>
+      </p:nvGrpSpPr>
+      <p:grpSpPr>
+        <a:xfrm>
+          <a:off x="0" y="0"/>
+          <a:ext cx="0" cy="0"/>
+          <a:chOff x="0" y="0"/>
+          <a:chExt cx="0" cy="0"/>
+        </a:xfrm>
+      </p:grpSpPr>
+    </p:spTree>
+    <p:extLst>
+      <p:ext uri="{BB962C8B-B14F-4D97-AF65-F5344CB8AC3E}">
+        <p14:creationId xmlns:p14="http://schemas.microsoft.com/office/powerpoint/2010/main" val="599798250"/>
+      </p:ext>
+    </p:extLst>
+  </p:cSld>
+  <p:clrMapOvr>
+    <a:masterClrMapping/>
+  </p:clrMapOvr>
+</p:sld>
+</file>
+
+<file path=ppt/slides/slide2.xml><?xml version="1.0" encoding="utf-8"?>
+<p:sld xmlns:a="http://schemas.openxmlformats.org/drawingml/2006/main" xmlns:r="http://schemas.openxmlformats.org/officeDocument/2006/relationships" xmlns:p="http://schemas.openxmlformats.org/presentationml/2006/main">
+  <p:cSld>
+    <p:spTree>
+      <p:nvGrpSpPr>
+        <p:cNvPr id="1" name=""/>
+        <p:cNvGrpSpPr/>
+        <p:nvPr/>
+      </p:nvGrpSpPr>
+      <p:grpSpPr>
+        <a:xfrm>
+          <a:off x="0" y="0"/>
+          <a:ext cx="0" cy="0"/>
+          <a:chOff x="0" y="0"/>
+          <a:chExt cx="0" cy="0"/>
+        </a:xfrm>
+      </p:grpSpPr>
+      <p:sp>
+        <p:nvSpPr>
+          <p:cNvPr id="4" name="文本框 3">
+            <a:extLst>
+              <a:ext uri="{FF2B5EF4-FFF2-40B4-BE49-F238E27FC236}">
+                <a16:creationId xmlns:a16="http://schemas.microsoft.com/office/drawing/2014/main" id="{C8C66590-5AA9-4693-8D05-DB6B2C455FC8}"/>
+              </a:ext>
+            </a:extLst>
+          </p:cNvPr>
+          <p:cNvSpPr txBox="1"/>
+          <p:nvPr/>
+        </p:nvSpPr>
+        <p:spPr>
+          <a:xfrm>
+            <a:off x="1023115" y="305942"/>
+            <a:ext cx="9794514" cy="669927"/>
+          </a:xfrm>
+          <a:prstGeom prst="rect">
+            <a:avLst/>
+          </a:prstGeom>
+          <a:noFill/>
+        </p:spPr>
+        <p:txBody>
+          <a:bodyPr wrap="square" rtlCol="0">
+            <a:spAutoFit/>
+          </a:bodyPr>
+          <a:lstStyle/>
+          <a:p>
+            <a:pPr>
+              <a:lnSpc>
+                <a:spcPct val="150000"/>
+              </a:lnSpc>
+            </a:pPr>
+            <a:r>
+              <a:rPr lang="en-US" altLang="zh-CN" sz="2800" b="0" i="0" dirty="0">
+                <a:solidFill>
+                  <a:srgbClr val="000000"/>
+                </a:solidFill>
+                <a:effectLst/>
+                <a:latin typeface="Arial" panose="020B0604020202020204" pitchFamily="34" charset="0"/>
+              </a:rPr>
+              <a:t>HI feature</a:t>
+            </a:r>
+            <a:endParaRPr lang="en-US" altLang="zh-CN" sz="2800" b="1" dirty="0">
+              <a:latin typeface="+mn-ea"/>
+            </a:endParaRPr>
+          </a:p>
+        </p:txBody>
+      </p:sp>
+      <p:pic>
+        <p:nvPicPr>
+          <p:cNvPr id="12" name="图片 11">
+            <a:extLst>
+              <a:ext uri="{FF2B5EF4-FFF2-40B4-BE49-F238E27FC236}">
+                <a16:creationId xmlns:a16="http://schemas.microsoft.com/office/drawing/2014/main" id="{CE0DE971-1827-1F09-D900-4D8E6C4E91A9}"/>
+              </a:ext>
+            </a:extLst>
+          </p:cNvPr>
+          <p:cNvPicPr>
+            <a:picLocks noChangeAspect="1"/>
+          </p:cNvPicPr>
+          <p:nvPr/>
+        </p:nvPicPr>
+        <p:blipFill>
+          <a:blip r:embed="rId2"/>
+          <a:stretch>
+            <a:fillRect/>
+          </a:stretch>
+        </p:blipFill>
+        <p:spPr>
+          <a:xfrm>
+            <a:off x="509145" y="1231490"/>
+            <a:ext cx="3373455" cy="5046424"/>
+          </a:xfrm>
+          <a:prstGeom prst="rect">
+            <a:avLst/>
+          </a:prstGeom>
+        </p:spPr>
+      </p:pic>
+      <p:pic>
+        <p:nvPicPr>
+          <p:cNvPr id="5" name="图片 4">
+            <a:extLst>
+              <a:ext uri="{FF2B5EF4-FFF2-40B4-BE49-F238E27FC236}">
+                <a16:creationId xmlns:a16="http://schemas.microsoft.com/office/drawing/2014/main" id="{9CADBAAA-6059-C4E6-5EB2-1804899E5E36}"/>
+              </a:ext>
+            </a:extLst>
+          </p:cNvPr>
+          <p:cNvPicPr>
+            <a:picLocks noChangeAspect="1"/>
+          </p:cNvPicPr>
+          <p:nvPr/>
+        </p:nvPicPr>
+        <p:blipFill>
+          <a:blip r:embed="rId3"/>
+          <a:stretch>
+            <a:fillRect/>
+          </a:stretch>
+        </p:blipFill>
+        <p:spPr>
+          <a:xfrm>
+            <a:off x="4224351" y="1231490"/>
+            <a:ext cx="3392041" cy="5046424"/>
+          </a:xfrm>
+          <a:prstGeom prst="rect">
+            <a:avLst/>
+          </a:prstGeom>
+        </p:spPr>
+      </p:pic>
+      <p:sp>
+        <p:nvSpPr>
+          <p:cNvPr id="6" name="文本框 5">
+            <a:extLst>
+              <a:ext uri="{FF2B5EF4-FFF2-40B4-BE49-F238E27FC236}">
+                <a16:creationId xmlns:a16="http://schemas.microsoft.com/office/drawing/2014/main" id="{175839E0-46FE-9100-D73F-76269B4BAEB7}"/>
+              </a:ext>
+            </a:extLst>
+          </p:cNvPr>
+          <p:cNvSpPr txBox="1"/>
+          <p:nvPr/>
+        </p:nvSpPr>
+        <p:spPr>
+          <a:xfrm>
+            <a:off x="7958143" y="1231490"/>
+            <a:ext cx="3176434" cy="1754326"/>
+          </a:xfrm>
+          <a:prstGeom prst="rect">
+            <a:avLst/>
+          </a:prstGeom>
+          <a:noFill/>
+        </p:spPr>
+        <p:txBody>
+          <a:bodyPr wrap="square">
+            <a:spAutoFit/>
+          </a:bodyPr>
+          <a:lstStyle/>
+          <a:p>
+            <a:r>
+              <a:rPr lang="zh-CN" altLang="en-US" b="0" i="0" dirty="0">
+                <a:solidFill>
+                  <a:srgbClr val="000000"/>
+                </a:solidFill>
+                <a:effectLst/>
+                <a:latin typeface="+mn-ea"/>
+              </a:rPr>
+              <a:t>首先，提取图像的特征，利用自编码器模型进行特征融合</a:t>
+            </a:r>
+            <a:endParaRPr lang="en-US" altLang="zh-CN" b="0" i="0" dirty="0">
+              <a:solidFill>
+                <a:srgbClr val="000000"/>
+              </a:solidFill>
+              <a:effectLst/>
+              <a:latin typeface="+mn-ea"/>
+            </a:endParaRPr>
+          </a:p>
+          <a:p>
+            <a:endParaRPr lang="en-US" altLang="zh-CN" dirty="0">
+              <a:solidFill>
+                <a:srgbClr val="000000"/>
+              </a:solidFill>
+              <a:latin typeface="+mn-ea"/>
+            </a:endParaRPr>
+          </a:p>
+          <a:p>
+            <a:endParaRPr lang="en-US" altLang="zh-CN" b="0" i="0" dirty="0">
+              <a:solidFill>
+                <a:srgbClr val="000000"/>
+              </a:solidFill>
+              <a:effectLst/>
+              <a:latin typeface="+mn-ea"/>
+            </a:endParaRPr>
+          </a:p>
+          <a:p>
+            <a:r>
+              <a:rPr lang="zh-CN" altLang="en-US" dirty="0">
+                <a:solidFill>
+                  <a:srgbClr val="000000"/>
+                </a:solidFill>
+                <a:latin typeface="+mn-ea"/>
+              </a:rPr>
+              <a:t>其次，</a:t>
+            </a:r>
+            <a:r>
+              <a:rPr lang="zh-CN" altLang="en-US" b="0" i="0" dirty="0">
+                <a:solidFill>
+                  <a:srgbClr val="000000"/>
+                </a:solidFill>
+                <a:effectLst/>
+                <a:latin typeface="+mn-ea"/>
+              </a:rPr>
+              <a:t>将融合后的特征输入到</a:t>
+            </a:r>
+            <a:r>
+              <a:rPr lang="en-US" altLang="zh-CN" b="0" i="0" dirty="0">
+                <a:solidFill>
+                  <a:srgbClr val="000000"/>
+                </a:solidFill>
+                <a:effectLst/>
+                <a:latin typeface="+mn-ea"/>
+              </a:rPr>
+              <a:t>DNN</a:t>
+            </a:r>
+            <a:r>
+              <a:rPr lang="zh-CN" altLang="en-US" b="0" i="0" dirty="0">
+                <a:solidFill>
+                  <a:srgbClr val="000000"/>
+                </a:solidFill>
+                <a:effectLst/>
+                <a:latin typeface="+mn-ea"/>
+              </a:rPr>
+              <a:t>模型中</a:t>
+            </a:r>
+            <a:endParaRPr lang="zh-CN" altLang="en-US" dirty="0">
+              <a:latin typeface="+mn-ea"/>
+            </a:endParaRPr>
+          </a:p>
+        </p:txBody>
+      </p:sp>
+    </p:spTree>
+    <p:extLst>
+      <p:ext uri="{BB962C8B-B14F-4D97-AF65-F5344CB8AC3E}">
+        <p14:creationId xmlns:p14="http://schemas.microsoft.com/office/powerpoint/2010/main" val="1674339400"/>
+      </p:ext>
+    </p:extLst>
+  </p:cSld>
+  <p:clrMapOvr>
+    <a:masterClrMapping/>
+  </p:clrMapOvr>
+</p:sld>
+</file>
+
+<file path=ppt/slides/slide3.xml><?xml version="1.0" encoding="utf-8"?>
+<p:sld xmlns:a="http://schemas.openxmlformats.org/drawingml/2006/main" xmlns:r="http://schemas.openxmlformats.org/officeDocument/2006/relationships" xmlns:p="http://schemas.openxmlformats.org/presentationml/2006/main">
+  <p:cSld>
+    <p:spTree>
+      <p:nvGrpSpPr>
+        <p:cNvPr id="1" name=""/>
+        <p:cNvGrpSpPr/>
+        <p:nvPr/>
+      </p:nvGrpSpPr>
+      <p:grpSpPr>
+        <a:xfrm>
+          <a:off x="0" y="0"/>
+          <a:ext cx="0" cy="0"/>
+          <a:chOff x="0" y="0"/>
+          <a:chExt cx="0" cy="0"/>
+        </a:xfrm>
+      </p:grpSpPr>
+      <p:sp>
+        <p:nvSpPr>
+          <p:cNvPr id="4" name="文本框 3">
+            <a:extLst>
+              <a:ext uri="{FF2B5EF4-FFF2-40B4-BE49-F238E27FC236}">
+                <a16:creationId xmlns:a16="http://schemas.microsoft.com/office/drawing/2014/main" id="{C8C66590-5AA9-4693-8D05-DB6B2C455FC8}"/>
+              </a:ext>
+            </a:extLst>
+          </p:cNvPr>
+          <p:cNvSpPr txBox="1"/>
+          <p:nvPr/>
+        </p:nvSpPr>
+        <p:spPr>
+          <a:xfrm>
+            <a:off x="1023115" y="305942"/>
+            <a:ext cx="9794514" cy="669927"/>
+          </a:xfrm>
+          <a:prstGeom prst="rect">
+            <a:avLst/>
+          </a:prstGeom>
+          <a:noFill/>
+        </p:spPr>
+        <p:txBody>
+          <a:bodyPr wrap="square" rtlCol="0">
+            <a:spAutoFit/>
+          </a:bodyPr>
+          <a:lstStyle/>
+          <a:p>
+            <a:pPr>
+              <a:lnSpc>
+                <a:spcPct val="150000"/>
+              </a:lnSpc>
+            </a:pPr>
+            <a:r>
+              <a:rPr lang="en-US" altLang="zh-CN" sz="2800" b="0" i="0" dirty="0">
+                <a:solidFill>
+                  <a:srgbClr val="000000"/>
+                </a:solidFill>
+                <a:effectLst/>
+                <a:latin typeface="Arial" panose="020B0604020202020204" pitchFamily="34" charset="0"/>
+              </a:rPr>
+              <a:t>HI feature</a:t>
+            </a:r>
+            <a:endParaRPr lang="en-US" altLang="zh-CN" sz="2800" b="1" dirty="0">
+              <a:latin typeface="+mn-ea"/>
+            </a:endParaRPr>
+          </a:p>
+        </p:txBody>
+      </p:sp>
+      <p:sp>
+        <p:nvSpPr>
+          <p:cNvPr id="8" name="文本框 7">
+            <a:extLst>
+              <a:ext uri="{FF2B5EF4-FFF2-40B4-BE49-F238E27FC236}">
+                <a16:creationId xmlns:a16="http://schemas.microsoft.com/office/drawing/2014/main" id="{B4932440-D5FF-68B6-E951-211719B35037}"/>
+              </a:ext>
+            </a:extLst>
+          </p:cNvPr>
+          <p:cNvSpPr txBox="1"/>
+          <p:nvPr/>
+        </p:nvSpPr>
+        <p:spPr>
+          <a:xfrm>
+            <a:off x="4713290" y="1609414"/>
+            <a:ext cx="6094770" cy="923330"/>
+          </a:xfrm>
+          <a:prstGeom prst="rect">
+            <a:avLst/>
+          </a:prstGeom>
+          <a:noFill/>
+        </p:spPr>
+        <p:txBody>
+          <a:bodyPr wrap="square">
+            <a:spAutoFit/>
+          </a:bodyPr>
+          <a:lstStyle/>
+          <a:p>
+            <a:r>
+              <a:rPr lang="zh-CN" altLang="en-US" b="0" i="0" dirty="0">
+                <a:solidFill>
+                  <a:srgbClr val="000000"/>
+                </a:solidFill>
+                <a:effectLst/>
+                <a:latin typeface="+mn-ea"/>
+              </a:rPr>
+              <a:t>电池的样本点大小不一致</a:t>
+            </a:r>
+            <a:endParaRPr lang="en-US" altLang="zh-CN" b="0" i="0" dirty="0">
+              <a:solidFill>
+                <a:srgbClr val="000000"/>
+              </a:solidFill>
+              <a:effectLst/>
+              <a:latin typeface="+mn-ea"/>
+            </a:endParaRPr>
+          </a:p>
+          <a:p>
+            <a:endParaRPr lang="en-US" altLang="zh-CN" b="0" i="0" dirty="0">
+              <a:solidFill>
+                <a:srgbClr val="000000"/>
+              </a:solidFill>
+              <a:effectLst/>
+              <a:latin typeface="+mn-ea"/>
+            </a:endParaRPr>
+          </a:p>
+          <a:p>
+            <a:r>
+              <a:rPr lang="zh-CN" altLang="en-US" b="0" i="0" dirty="0">
+                <a:solidFill>
+                  <a:srgbClr val="000000"/>
+                </a:solidFill>
+                <a:effectLst/>
+                <a:latin typeface="+mn-ea"/>
+              </a:rPr>
+              <a:t>直接提取相同间隔的样本数据会丢失一些重要信息</a:t>
+            </a:r>
+            <a:endParaRPr lang="zh-CN" altLang="en-US" dirty="0">
+              <a:latin typeface="+mn-ea"/>
+            </a:endParaRPr>
+          </a:p>
+        </p:txBody>
+      </p:sp>
+      <p:sp>
+        <p:nvSpPr>
+          <p:cNvPr id="10" name="文本框 9">
+            <a:extLst>
+              <a:ext uri="{FF2B5EF4-FFF2-40B4-BE49-F238E27FC236}">
+                <a16:creationId xmlns:a16="http://schemas.microsoft.com/office/drawing/2014/main" id="{7FC814D9-1F1E-EE6D-4486-F2B714418EE5}"/>
+              </a:ext>
+            </a:extLst>
+          </p:cNvPr>
+          <p:cNvSpPr txBox="1"/>
+          <p:nvPr/>
+        </p:nvSpPr>
+        <p:spPr>
+          <a:xfrm>
+            <a:off x="4713290" y="4474403"/>
+            <a:ext cx="6094770" cy="646331"/>
+          </a:xfrm>
+          <a:prstGeom prst="rect">
+            <a:avLst/>
+          </a:prstGeom>
+          <a:noFill/>
+        </p:spPr>
+        <p:txBody>
+          <a:bodyPr wrap="square">
+            <a:spAutoFit/>
+          </a:bodyPr>
+          <a:lstStyle/>
+          <a:p>
+            <a:r>
+              <a:rPr lang="zh-CN" altLang="en-US" b="0" i="0" dirty="0">
+                <a:solidFill>
+                  <a:srgbClr val="000000"/>
+                </a:solidFill>
+                <a:effectLst/>
+                <a:latin typeface="+mn-ea"/>
+              </a:rPr>
+              <a:t>信息表征与信息维度之间存在正相关关系。信息维度越多，信息表示能力越强</a:t>
+            </a:r>
+            <a:endParaRPr lang="zh-CN" altLang="en-US" dirty="0">
+              <a:latin typeface="+mn-ea"/>
+            </a:endParaRPr>
+          </a:p>
+        </p:txBody>
+      </p:sp>
+      <p:pic>
+        <p:nvPicPr>
+          <p:cNvPr id="15" name="图片 14">
+            <a:extLst>
+              <a:ext uri="{FF2B5EF4-FFF2-40B4-BE49-F238E27FC236}">
+                <a16:creationId xmlns:a16="http://schemas.microsoft.com/office/drawing/2014/main" id="{9732C26D-398C-8F72-E3A0-D4C3CCE316FF}"/>
+              </a:ext>
+            </a:extLst>
+          </p:cNvPr>
+          <p:cNvPicPr>
+            <a:picLocks noChangeAspect="1"/>
+          </p:cNvPicPr>
+          <p:nvPr/>
+        </p:nvPicPr>
+        <p:blipFill>
+          <a:blip r:embed="rId2"/>
+          <a:stretch>
+            <a:fillRect/>
+          </a:stretch>
+        </p:blipFill>
+        <p:spPr>
+          <a:xfrm>
+            <a:off x="892120" y="1242710"/>
+            <a:ext cx="3392041" cy="5046424"/>
+          </a:xfrm>
+          <a:prstGeom prst="rect">
+            <a:avLst/>
+          </a:prstGeom>
+        </p:spPr>
+      </p:pic>
+      <p:sp>
+        <p:nvSpPr>
+          <p:cNvPr id="17" name="文本框 16">
+            <a:extLst>
+              <a:ext uri="{FF2B5EF4-FFF2-40B4-BE49-F238E27FC236}">
+                <a16:creationId xmlns:a16="http://schemas.microsoft.com/office/drawing/2014/main" id="{099316F9-419C-D0CD-65F6-6A8EE047D66D}"/>
+              </a:ext>
+            </a:extLst>
+          </p:cNvPr>
+          <p:cNvSpPr txBox="1"/>
+          <p:nvPr/>
+        </p:nvSpPr>
+        <p:spPr>
+          <a:xfrm>
+            <a:off x="4712996" y="3343874"/>
+            <a:ext cx="6095064" cy="369332"/>
+          </a:xfrm>
+          <a:prstGeom prst="rect">
+            <a:avLst/>
+          </a:prstGeom>
+          <a:noFill/>
+        </p:spPr>
+        <p:txBody>
+          <a:bodyPr wrap="square">
+            <a:spAutoFit/>
+          </a:bodyPr>
+          <a:lstStyle/>
+          <a:p>
+            <a:r>
+              <a:rPr lang="zh-CN" altLang="en-US" b="0" i="0" dirty="0">
+                <a:solidFill>
+                  <a:srgbClr val="000000"/>
+                </a:solidFill>
+                <a:effectLst/>
+                <a:latin typeface="+mn-ea"/>
+              </a:rPr>
+              <a:t>提取典型的几何特征信息</a:t>
+            </a:r>
+            <a:endParaRPr lang="zh-CN" altLang="en-US" dirty="0">
+              <a:latin typeface="+mn-ea"/>
+            </a:endParaRPr>
+          </a:p>
+        </p:txBody>
+      </p:sp>
+    </p:spTree>
+    <p:extLst>
+      <p:ext uri="{BB962C8B-B14F-4D97-AF65-F5344CB8AC3E}">
+        <p14:creationId xmlns:p14="http://schemas.microsoft.com/office/powerpoint/2010/main" val="1347628366"/>
+      </p:ext>
+    </p:extLst>
+  </p:cSld>
+  <p:clrMapOvr>
+    <a:masterClrMapping/>
+  </p:clrMapOvr>
+</p:sld>
+</file>
+
+<file path=ppt/slides/slide4.xml><?xml version="1.0" encoding="utf-8"?>
+<p:sld xmlns:a="http://schemas.openxmlformats.org/drawingml/2006/main" xmlns:r="http://schemas.openxmlformats.org/officeDocument/2006/relationships" xmlns:p="http://schemas.openxmlformats.org/presentationml/2006/main">
+  <p:cSld>
+    <p:spTree>
+      <p:nvGrpSpPr>
+        <p:cNvPr id="1" name=""/>
+        <p:cNvGrpSpPr/>
+        <p:nvPr/>
+      </p:nvGrpSpPr>
+      <p:grpSpPr>
+        <a:xfrm>
+          <a:off x="0" y="0"/>
+          <a:ext cx="0" cy="0"/>
+          <a:chOff x="0" y="0"/>
+          <a:chExt cx="0" cy="0"/>
+        </a:xfrm>
+      </p:grpSpPr>
+      <p:sp>
+        <p:nvSpPr>
+          <p:cNvPr id="4" name="文本框 3">
+            <a:extLst>
+              <a:ext uri="{FF2B5EF4-FFF2-40B4-BE49-F238E27FC236}">
+                <a16:creationId xmlns:a16="http://schemas.microsoft.com/office/drawing/2014/main" id="{C8C66590-5AA9-4693-8D05-DB6B2C455FC8}"/>
+              </a:ext>
+            </a:extLst>
+          </p:cNvPr>
+          <p:cNvSpPr txBox="1"/>
+          <p:nvPr/>
+        </p:nvSpPr>
+        <p:spPr>
+          <a:xfrm>
+            <a:off x="1023115" y="305942"/>
+            <a:ext cx="9794514" cy="669927"/>
+          </a:xfrm>
+          <a:prstGeom prst="rect">
+            <a:avLst/>
+          </a:prstGeom>
+          <a:noFill/>
+        </p:spPr>
+        <p:txBody>
+          <a:bodyPr wrap="square" rtlCol="0">
+            <a:spAutoFit/>
+          </a:bodyPr>
+          <a:lstStyle/>
+          <a:p>
+            <a:pPr>
+              <a:lnSpc>
+                <a:spcPct val="150000"/>
+              </a:lnSpc>
+            </a:pPr>
+            <a:r>
+              <a:rPr lang="en-US" altLang="zh-CN" sz="2800" b="0" i="0" dirty="0">
+                <a:solidFill>
+                  <a:srgbClr val="000000"/>
+                </a:solidFill>
+                <a:effectLst/>
+                <a:latin typeface="Arial" panose="020B0604020202020204" pitchFamily="34" charset="0"/>
+              </a:rPr>
+              <a:t>HI feature</a:t>
+            </a:r>
+            <a:endParaRPr lang="en-US" altLang="zh-CN" sz="2800" b="1" dirty="0">
+              <a:latin typeface="+mn-ea"/>
+            </a:endParaRPr>
+          </a:p>
+        </p:txBody>
+      </p:sp>
+      <p:sp>
+        <p:nvSpPr>
+          <p:cNvPr id="14" name="文本框 13">
+            <a:extLst>
+              <a:ext uri="{FF2B5EF4-FFF2-40B4-BE49-F238E27FC236}">
+                <a16:creationId xmlns:a16="http://schemas.microsoft.com/office/drawing/2014/main" id="{6A52A97C-8E29-3125-F8E3-3DC47AF44E78}"/>
+              </a:ext>
+            </a:extLst>
+          </p:cNvPr>
+          <p:cNvSpPr txBox="1"/>
+          <p:nvPr/>
+        </p:nvSpPr>
+        <p:spPr>
+          <a:xfrm>
+            <a:off x="4949928" y="975869"/>
+            <a:ext cx="6094770" cy="3139321"/>
+          </a:xfrm>
+          <a:prstGeom prst="rect">
+            <a:avLst/>
+          </a:prstGeom>
+          <a:noFill/>
+        </p:spPr>
+        <p:txBody>
+          <a:bodyPr wrap="square">
+            <a:spAutoFit/>
+          </a:bodyPr>
+          <a:lstStyle/>
+          <a:p>
+            <a:pPr algn="just"/>
+            <a:r>
+              <a:rPr lang="zh-CN" altLang="en-US" b="0" i="0" dirty="0">
+                <a:solidFill>
+                  <a:srgbClr val="000000"/>
+                </a:solidFill>
+                <a:effectLst/>
+                <a:latin typeface="+mn-ea"/>
+              </a:rPr>
+              <a:t>为了提高模型的效率，有必要降低特征维数</a:t>
+            </a:r>
+            <a:endParaRPr lang="en-US" altLang="zh-CN" b="0" i="0" dirty="0">
+              <a:solidFill>
+                <a:srgbClr val="000000"/>
+              </a:solidFill>
+              <a:effectLst/>
+              <a:latin typeface="+mn-ea"/>
+            </a:endParaRPr>
+          </a:p>
+          <a:p>
+            <a:pPr algn="just"/>
+            <a:r>
+              <a:rPr lang="zh-CN" altLang="en-US" b="0" i="0" dirty="0">
+                <a:solidFill>
+                  <a:srgbClr val="000000"/>
+                </a:solidFill>
+                <a:effectLst/>
+                <a:latin typeface="+mn-ea"/>
+              </a:rPr>
+              <a:t>降维方法：</a:t>
+            </a:r>
+            <a:endParaRPr lang="en-US" altLang="zh-CN" b="0" i="0" dirty="0">
+              <a:solidFill>
+                <a:srgbClr val="000000"/>
+              </a:solidFill>
+              <a:effectLst/>
+              <a:latin typeface="+mn-ea"/>
+            </a:endParaRPr>
+          </a:p>
+          <a:p>
+            <a:pPr algn="just"/>
+            <a:r>
+              <a:rPr lang="zh-CN" altLang="en-US" b="0" i="0" dirty="0">
+                <a:solidFill>
+                  <a:srgbClr val="000000"/>
+                </a:solidFill>
+                <a:effectLst/>
+                <a:latin typeface="+mn-ea"/>
+              </a:rPr>
+              <a:t>包括主成分分析</a:t>
+            </a:r>
+            <a:r>
+              <a:rPr lang="en-US" altLang="zh-CN" b="0" i="0" dirty="0">
+                <a:solidFill>
+                  <a:srgbClr val="000000"/>
+                </a:solidFill>
+                <a:effectLst/>
+                <a:latin typeface="+mn-ea"/>
+              </a:rPr>
+              <a:t>(PCA)</a:t>
+            </a:r>
+          </a:p>
+          <a:p>
+            <a:pPr algn="just"/>
+            <a:r>
+              <a:rPr lang="zh-CN" altLang="en-US" b="0" i="0" dirty="0">
+                <a:solidFill>
+                  <a:srgbClr val="000000"/>
+                </a:solidFill>
+                <a:effectLst/>
+                <a:latin typeface="+mn-ea"/>
+              </a:rPr>
+              <a:t>独立成分分析</a:t>
+            </a:r>
+            <a:r>
+              <a:rPr lang="en-US" altLang="zh-CN" b="0" i="0" dirty="0">
+                <a:solidFill>
+                  <a:srgbClr val="000000"/>
+                </a:solidFill>
+                <a:effectLst/>
+                <a:latin typeface="+mn-ea"/>
+              </a:rPr>
+              <a:t>(ICA</a:t>
+            </a:r>
+            <a:r>
+              <a:rPr lang="en-US" altLang="zh-CN" dirty="0">
+                <a:solidFill>
+                  <a:srgbClr val="000000"/>
+                </a:solidFill>
+                <a:latin typeface="+mn-ea"/>
+              </a:rPr>
+              <a:t>)</a:t>
+            </a:r>
+          </a:p>
+          <a:p>
+            <a:pPr algn="just"/>
+            <a:r>
+              <a:rPr lang="zh-CN" altLang="en-US" b="0" i="0" dirty="0">
+                <a:solidFill>
+                  <a:srgbClr val="000000"/>
+                </a:solidFill>
+                <a:effectLst/>
+                <a:latin typeface="+mn-ea"/>
+              </a:rPr>
+              <a:t>自动编码器</a:t>
+            </a:r>
+            <a:endParaRPr lang="en-US" altLang="zh-CN" b="0" i="0" dirty="0">
+              <a:solidFill>
+                <a:srgbClr val="000000"/>
+              </a:solidFill>
+              <a:effectLst/>
+              <a:latin typeface="+mn-ea"/>
+            </a:endParaRPr>
+          </a:p>
+          <a:p>
+            <a:pPr algn="just"/>
+            <a:endParaRPr lang="en-US" altLang="zh-CN" b="0" i="0" dirty="0">
+              <a:solidFill>
+                <a:srgbClr val="000000"/>
+              </a:solidFill>
+              <a:effectLst/>
+              <a:latin typeface="+mn-ea"/>
+            </a:endParaRPr>
+          </a:p>
+          <a:p>
+            <a:pPr algn="just"/>
+            <a:endParaRPr lang="en-US" altLang="zh-CN" dirty="0">
+              <a:solidFill>
+                <a:srgbClr val="000000"/>
+              </a:solidFill>
+              <a:latin typeface="+mn-ea"/>
+            </a:endParaRPr>
+          </a:p>
+          <a:p>
+            <a:pPr algn="just"/>
+            <a:endParaRPr lang="en-US" altLang="zh-CN" b="0" i="0" dirty="0">
+              <a:solidFill>
+                <a:srgbClr val="000000"/>
+              </a:solidFill>
+              <a:effectLst/>
+              <a:latin typeface="+mn-ea"/>
+            </a:endParaRPr>
+          </a:p>
+          <a:p>
+            <a:pPr algn="just"/>
+            <a:r>
+              <a:rPr lang="zh-CN" altLang="en-US" b="0" i="0" dirty="0">
+                <a:solidFill>
+                  <a:srgbClr val="000000"/>
+                </a:solidFill>
+                <a:effectLst/>
+                <a:latin typeface="+mn-ea"/>
+              </a:rPr>
+              <a:t>自编码器神经网络</a:t>
+            </a:r>
+            <a:endParaRPr lang="en-US" altLang="zh-CN" b="0" i="0" dirty="0">
+              <a:solidFill>
+                <a:srgbClr val="000000"/>
+              </a:solidFill>
+              <a:effectLst/>
+              <a:latin typeface="+mn-ea"/>
+            </a:endParaRPr>
+          </a:p>
+          <a:p>
+            <a:pPr algn="just"/>
+            <a:r>
+              <a:rPr lang="en-US" altLang="zh-CN" dirty="0">
+                <a:solidFill>
+                  <a:srgbClr val="000000"/>
+                </a:solidFill>
+                <a:latin typeface="+mn-ea"/>
+              </a:rPr>
+              <a:t>       </a:t>
+            </a:r>
+            <a:r>
+              <a:rPr lang="zh-CN" altLang="en-US" b="0" i="0" dirty="0">
+                <a:solidFill>
+                  <a:srgbClr val="000000"/>
+                </a:solidFill>
+                <a:effectLst/>
+                <a:latin typeface="+mn-ea"/>
+              </a:rPr>
+              <a:t>试图学习一个常数函数，输出的结果接近输入数据给出的目标</a:t>
+            </a:r>
+            <a:endParaRPr lang="en-US" altLang="zh-CN" b="0" i="0" dirty="0">
+              <a:solidFill>
+                <a:srgbClr val="000000"/>
+              </a:solidFill>
+              <a:effectLst/>
+              <a:latin typeface="+mn-ea"/>
+            </a:endParaRPr>
+          </a:p>
+        </p:txBody>
+      </p:sp>
+      <p:pic>
+        <p:nvPicPr>
+          <p:cNvPr id="5" name="图片 4">
+            <a:extLst>
+              <a:ext uri="{FF2B5EF4-FFF2-40B4-BE49-F238E27FC236}">
+                <a16:creationId xmlns:a16="http://schemas.microsoft.com/office/drawing/2014/main" id="{0044310C-6D8D-66B1-EDA4-7CE16756216A}"/>
+              </a:ext>
+            </a:extLst>
+          </p:cNvPr>
+          <p:cNvPicPr>
+            <a:picLocks noChangeAspect="1"/>
+          </p:cNvPicPr>
+          <p:nvPr/>
+        </p:nvPicPr>
+        <p:blipFill>
+          <a:blip r:embed="rId2"/>
+          <a:stretch>
+            <a:fillRect/>
+          </a:stretch>
+        </p:blipFill>
+        <p:spPr>
+          <a:xfrm>
+            <a:off x="897317" y="1710814"/>
+            <a:ext cx="4052611" cy="2833686"/>
+          </a:xfrm>
+          <a:prstGeom prst="rect">
+            <a:avLst/>
+          </a:prstGeom>
+        </p:spPr>
+      </p:pic>
+    </p:spTree>
+    <p:extLst>
+      <p:ext uri="{BB962C8B-B14F-4D97-AF65-F5344CB8AC3E}">
+        <p14:creationId xmlns:p14="http://schemas.microsoft.com/office/powerpoint/2010/main" val="1744368532"/>
+      </p:ext>
+    </p:extLst>
+  </p:cSld>
+  <p:clrMapOvr>
+    <a:masterClrMapping/>
+  </p:clrMapOvr>
+</p:sld>
+</file>
+
+<file path=ppt/slides/slide5.xml><?xml version="1.0" encoding="utf-8"?>
+<p:sld xmlns:a="http://schemas.openxmlformats.org/drawingml/2006/main" xmlns:r="http://schemas.openxmlformats.org/officeDocument/2006/relationships" xmlns:p="http://schemas.openxmlformats.org/presentationml/2006/main">
+  <p:cSld>
+    <p:spTree>
+      <p:nvGrpSpPr>
+        <p:cNvPr id="1" name=""/>
+        <p:cNvGrpSpPr/>
+        <p:nvPr/>
+      </p:nvGrpSpPr>
+      <p:grpSpPr>
+        <a:xfrm>
+          <a:off x="0" y="0"/>
+          <a:ext cx="0" cy="0"/>
+          <a:chOff x="0" y="0"/>
+          <a:chExt cx="0" cy="0"/>
+        </a:xfrm>
+      </p:grpSpPr>
+      <p:sp>
+        <p:nvSpPr>
+          <p:cNvPr id="4" name="文本框 3">
+            <a:extLst>
+              <a:ext uri="{FF2B5EF4-FFF2-40B4-BE49-F238E27FC236}">
+                <a16:creationId xmlns:a16="http://schemas.microsoft.com/office/drawing/2014/main" id="{C8C66590-5AA9-4693-8D05-DB6B2C455FC8}"/>
+              </a:ext>
+            </a:extLst>
+          </p:cNvPr>
+          <p:cNvSpPr txBox="1"/>
+          <p:nvPr/>
+        </p:nvSpPr>
+        <p:spPr>
+          <a:xfrm>
+            <a:off x="1023115" y="305942"/>
+            <a:ext cx="9794514" cy="669927"/>
+          </a:xfrm>
+          <a:prstGeom prst="rect">
+            <a:avLst/>
+          </a:prstGeom>
+          <a:noFill/>
+        </p:spPr>
+        <p:txBody>
+          <a:bodyPr wrap="square" rtlCol="0">
+            <a:spAutoFit/>
+          </a:bodyPr>
+          <a:lstStyle/>
+          <a:p>
+            <a:pPr>
+              <a:lnSpc>
+                <a:spcPct val="150000"/>
+              </a:lnSpc>
+            </a:pPr>
+            <a:r>
+              <a:rPr lang="en-US" altLang="zh-CN" sz="2800" dirty="0">
+                <a:solidFill>
+                  <a:srgbClr val="000000"/>
+                </a:solidFill>
+                <a:latin typeface="Arial" panose="020B0604020202020204" pitchFamily="34" charset="0"/>
+              </a:rPr>
+              <a:t>model</a:t>
+            </a:r>
+            <a:endParaRPr lang="en-US" altLang="zh-CN" sz="2800" b="1" dirty="0">
+              <a:latin typeface="+mn-ea"/>
+            </a:endParaRPr>
+          </a:p>
+        </p:txBody>
+      </p:sp>
+      <p:pic>
+        <p:nvPicPr>
+          <p:cNvPr id="9" name="图片 8">
+            <a:extLst>
+              <a:ext uri="{FF2B5EF4-FFF2-40B4-BE49-F238E27FC236}">
+                <a16:creationId xmlns:a16="http://schemas.microsoft.com/office/drawing/2014/main" id="{C410EC33-30A0-93E0-3E7F-5572672A4964}"/>
+              </a:ext>
+            </a:extLst>
+          </p:cNvPr>
+          <p:cNvPicPr>
+            <a:picLocks noChangeAspect="1"/>
+          </p:cNvPicPr>
+          <p:nvPr/>
+        </p:nvPicPr>
+        <p:blipFill>
+          <a:blip r:embed="rId2"/>
+          <a:stretch>
+            <a:fillRect/>
+          </a:stretch>
+        </p:blipFill>
+        <p:spPr>
+          <a:xfrm>
+            <a:off x="4431671" y="366633"/>
+            <a:ext cx="4280373" cy="6254307"/>
+          </a:xfrm>
+          <a:prstGeom prst="rect">
+            <a:avLst/>
+          </a:prstGeom>
+        </p:spPr>
+      </p:pic>
+    </p:spTree>
+    <p:extLst>
+      <p:ext uri="{BB962C8B-B14F-4D97-AF65-F5344CB8AC3E}">
+        <p14:creationId xmlns:p14="http://schemas.microsoft.com/office/powerpoint/2010/main" val="2860601099"/>
+      </p:ext>
+    </p:extLst>
+  </p:cSld>
+  <p:clrMapOvr>
+    <a:masterClrMapping/>
+  </p:clrMapOvr>
+</p:sld>
+</file>
+
+<file path=ppt/slides/slide6.xml><?xml version="1.0" encoding="utf-8"?>
+<p:sld xmlns:a="http://schemas.openxmlformats.org/drawingml/2006/main" xmlns:r="http://schemas.openxmlformats.org/officeDocument/2006/relationships" xmlns:p="http://schemas.openxmlformats.org/presentationml/2006/main">
+  <p:cSld>
+    <p:spTree>
+      <p:nvGrpSpPr>
+        <p:cNvPr id="1" name=""/>
+        <p:cNvGrpSpPr/>
+        <p:nvPr/>
+      </p:nvGrpSpPr>
+      <p:grpSpPr>
+        <a:xfrm>
+          <a:off x="0" y="0"/>
+          <a:ext cx="0" cy="0"/>
+          <a:chOff x="0" y="0"/>
+          <a:chExt cx="0" cy="0"/>
+        </a:xfrm>
+      </p:grpSpPr>
+      <p:sp>
+        <p:nvSpPr>
+          <p:cNvPr id="4" name="文本框 3">
+            <a:extLst>
+              <a:ext uri="{FF2B5EF4-FFF2-40B4-BE49-F238E27FC236}">
+                <a16:creationId xmlns:a16="http://schemas.microsoft.com/office/drawing/2014/main" id="{C8C66590-5AA9-4693-8D05-DB6B2C455FC8}"/>
+              </a:ext>
+            </a:extLst>
+          </p:cNvPr>
+          <p:cNvSpPr txBox="1"/>
+          <p:nvPr/>
+        </p:nvSpPr>
+        <p:spPr>
+          <a:xfrm>
+            <a:off x="1023115" y="305942"/>
+            <a:ext cx="9794514" cy="669927"/>
+          </a:xfrm>
+          <a:prstGeom prst="rect">
+            <a:avLst/>
+          </a:prstGeom>
+          <a:noFill/>
+        </p:spPr>
+        <p:txBody>
+          <a:bodyPr wrap="square" rtlCol="0">
+            <a:spAutoFit/>
+          </a:bodyPr>
+          <a:lstStyle/>
+          <a:p>
+            <a:pPr>
+              <a:lnSpc>
+                <a:spcPct val="150000"/>
+              </a:lnSpc>
+            </a:pPr>
+            <a:r>
+              <a:rPr lang="en-US" altLang="zh-CN" sz="2800" b="0" i="0" dirty="0">
+                <a:solidFill>
+                  <a:srgbClr val="000000"/>
+                </a:solidFill>
+                <a:effectLst/>
+                <a:latin typeface="Arial" panose="020B0604020202020204" pitchFamily="34" charset="0"/>
+              </a:rPr>
+              <a:t>result</a:t>
+            </a:r>
+            <a:endParaRPr lang="en-US" altLang="zh-CN" sz="2800" b="1" dirty="0">
+              <a:latin typeface="+mn-ea"/>
+            </a:endParaRPr>
+          </a:p>
+        </p:txBody>
+      </p:sp>
+      <p:pic>
+        <p:nvPicPr>
+          <p:cNvPr id="3" name="图片 2">
+            <a:extLst>
+              <a:ext uri="{FF2B5EF4-FFF2-40B4-BE49-F238E27FC236}">
+                <a16:creationId xmlns:a16="http://schemas.microsoft.com/office/drawing/2014/main" id="{49AEEF1A-733A-B2FE-023F-2144B90ABA65}"/>
+              </a:ext>
+            </a:extLst>
+          </p:cNvPr>
+          <p:cNvPicPr>
+            <a:picLocks noChangeAspect="1"/>
+          </p:cNvPicPr>
+          <p:nvPr/>
+        </p:nvPicPr>
+        <p:blipFill>
+          <a:blip r:embed="rId2"/>
+          <a:stretch>
+            <a:fillRect/>
+          </a:stretch>
+        </p:blipFill>
+        <p:spPr>
+          <a:xfrm>
+            <a:off x="1147302" y="1500187"/>
+            <a:ext cx="6334125" cy="3857625"/>
+          </a:xfrm>
+          <a:prstGeom prst="rect">
+            <a:avLst/>
+          </a:prstGeom>
+        </p:spPr>
+      </p:pic>
+    </p:spTree>
+    <p:extLst>
+      <p:ext uri="{BB962C8B-B14F-4D97-AF65-F5344CB8AC3E}">
+        <p14:creationId xmlns:p14="http://schemas.microsoft.com/office/powerpoint/2010/main" val="3145172754"/>
+      </p:ext>
+    </p:extLst>
+  </p:cSld>
+  <p:clrMapOvr>
+    <a:masterClrMapping/>
+  </p:clrMapOvr>
+</p:sld>
+</file>
+
+<file path=ppt/slides/slide7.xml><?xml version="1.0" encoding="utf-8"?>
+<p:sld xmlns:a="http://schemas.openxmlformats.org/drawingml/2006/main" xmlns:r="http://schemas.openxmlformats.org/officeDocument/2006/relationships" xmlns:p="http://schemas.openxmlformats.org/presentationml/2006/main">
+  <p:cSld>
+    <p:spTree>
+      <p:nvGrpSpPr>
+        <p:cNvPr id="1" name=""/>
+        <p:cNvGrpSpPr/>
+        <p:nvPr/>
+      </p:nvGrpSpPr>
+      <p:grpSpPr>
+        <a:xfrm>
+          <a:off x="0" y="0"/>
+          <a:ext cx="0" cy="0"/>
+          <a:chOff x="0" y="0"/>
+          <a:chExt cx="0" cy="0"/>
+        </a:xfrm>
+      </p:grpSpPr>
+      <p:sp>
+        <p:nvSpPr>
           <p:cNvPr id="3" name="矩形: 圆角 2">
             <a:extLst>
               <a:ext uri="{FF2B5EF4-FFF2-40B4-BE49-F238E27FC236}">
@@ -5013,7 +6722,7 @@
             <a:prstDash val="dash"/>
             <a:extLst>
               <a:ext uri="{C807C97D-BFC1-408E-A445-0C87EB9F89A2}">
-                <ask:lineSketchStyleProps xmlns:ask="http://schemas.microsoft.com/office/drawing/2018/sketchyshapes" sd="1219033472">
+                <ask:lineSketchStyleProps xmlns:ask="http://schemas.microsoft.com/office/drawing/2018/sketchyshapes" xmlns="" sd="1219033472">
                   <a:custGeom>
                     <a:avLst/>
                     <a:gdLst>
@@ -5309,7 +7018,7 @@
             <a:prstDash val="dash"/>
             <a:extLst>
               <a:ext uri="{C807C97D-BFC1-408E-A445-0C87EB9F89A2}">
-                <ask:lineSketchStyleProps xmlns:ask="http://schemas.microsoft.com/office/drawing/2018/sketchyshapes" sd="1219033472">
+                <ask:lineSketchStyleProps xmlns:ask="http://schemas.microsoft.com/office/drawing/2018/sketchyshapes" xmlns="" sd="1219033472">
                   <a:custGeom>
                     <a:avLst/>
                     <a:gdLst>
@@ -6464,7 +8173,7 @@
             <a:prstDash val="dash"/>
             <a:extLst>
               <a:ext uri="{C807C97D-BFC1-408E-A445-0C87EB9F89A2}">
-                <ask:lineSketchStyleProps xmlns:ask="http://schemas.microsoft.com/office/drawing/2018/sketchyshapes" sd="1219033472">
+                <ask:lineSketchStyleProps xmlns:ask="http://schemas.microsoft.com/office/drawing/2018/sketchyshapes" xmlns="" sd="1219033472">
                   <a:custGeom>
                     <a:avLst/>
                     <a:gdLst>
@@ -7000,7 +8709,7 @@
             <a:prstDash val="dash"/>
             <a:extLst>
               <a:ext uri="{C807C97D-BFC1-408E-A445-0C87EB9F89A2}">
-                <ask:lineSketchStyleProps xmlns:ask="http://schemas.microsoft.com/office/drawing/2018/sketchyshapes" sd="1219033472">
+                <ask:lineSketchStyleProps xmlns:ask="http://schemas.microsoft.com/office/drawing/2018/sketchyshapes" xmlns="" sd="1219033472">
                   <a:custGeom>
                     <a:avLst/>
                     <a:gdLst>
@@ -7279,1642 +8988,6 @@
 </p:sld>
 </file>
 
-<file path=ppt/slides/slide10.xml><?xml version="1.0" encoding="utf-8"?>
-<p:sld xmlns:a="http://schemas.openxmlformats.org/drawingml/2006/main" xmlns:r="http://schemas.openxmlformats.org/officeDocument/2006/relationships" xmlns:p="http://schemas.openxmlformats.org/presentationml/2006/main">
-  <p:cSld>
-    <p:spTree>
-      <p:nvGrpSpPr>
-        <p:cNvPr id="1" name=""/>
-        <p:cNvGrpSpPr/>
-        <p:nvPr/>
-      </p:nvGrpSpPr>
-      <p:grpSpPr>
-        <a:xfrm>
-          <a:off x="0" y="0"/>
-          <a:ext cx="0" cy="0"/>
-          <a:chOff x="0" y="0"/>
-          <a:chExt cx="0" cy="0"/>
-        </a:xfrm>
-      </p:grpSpPr>
-      <p:sp>
-        <p:nvSpPr>
-          <p:cNvPr id="4" name="文本框 3">
-            <a:extLst>
-              <a:ext uri="{FF2B5EF4-FFF2-40B4-BE49-F238E27FC236}">
-                <a16:creationId xmlns:a16="http://schemas.microsoft.com/office/drawing/2014/main" id="{C8C66590-5AA9-4693-8D05-DB6B2C455FC8}"/>
-              </a:ext>
-            </a:extLst>
-          </p:cNvPr>
-          <p:cNvSpPr txBox="1"/>
-          <p:nvPr/>
-        </p:nvSpPr>
-        <p:spPr>
-          <a:xfrm>
-            <a:off x="1023115" y="305942"/>
-            <a:ext cx="9794514" cy="669927"/>
-          </a:xfrm>
-          <a:prstGeom prst="rect">
-            <a:avLst/>
-          </a:prstGeom>
-          <a:noFill/>
-        </p:spPr>
-        <p:txBody>
-          <a:bodyPr wrap="square" rtlCol="0">
-            <a:spAutoFit/>
-          </a:bodyPr>
-          <a:lstStyle/>
-          <a:p>
-            <a:pPr>
-              <a:lnSpc>
-                <a:spcPct val="150000"/>
-              </a:lnSpc>
-            </a:pPr>
-            <a:r>
-              <a:rPr lang="en-US" altLang="zh-CN" sz="2800" b="0" i="0" dirty="0">
-                <a:solidFill>
-                  <a:srgbClr val="000000"/>
-                </a:solidFill>
-                <a:effectLst/>
-                <a:latin typeface="Arial" panose="020B0604020202020204" pitchFamily="34" charset="0"/>
-              </a:rPr>
-              <a:t>HI feature</a:t>
-            </a:r>
-            <a:endParaRPr lang="en-US" altLang="zh-CN" sz="2800" b="1" dirty="0">
-              <a:latin typeface="+mn-ea"/>
-            </a:endParaRPr>
-          </a:p>
-        </p:txBody>
-      </p:sp>
-      <p:sp>
-        <p:nvSpPr>
-          <p:cNvPr id="8" name="文本框 7">
-            <a:extLst>
-              <a:ext uri="{FF2B5EF4-FFF2-40B4-BE49-F238E27FC236}">
-                <a16:creationId xmlns:a16="http://schemas.microsoft.com/office/drawing/2014/main" id="{B4932440-D5FF-68B6-E951-211719B35037}"/>
-              </a:ext>
-            </a:extLst>
-          </p:cNvPr>
-          <p:cNvSpPr txBox="1"/>
-          <p:nvPr/>
-        </p:nvSpPr>
-        <p:spPr>
-          <a:xfrm>
-            <a:off x="4713290" y="1609414"/>
-            <a:ext cx="6094770" cy="923330"/>
-          </a:xfrm>
-          <a:prstGeom prst="rect">
-            <a:avLst/>
-          </a:prstGeom>
-          <a:noFill/>
-        </p:spPr>
-        <p:txBody>
-          <a:bodyPr wrap="square">
-            <a:spAutoFit/>
-          </a:bodyPr>
-          <a:lstStyle/>
-          <a:p>
-            <a:r>
-              <a:rPr lang="zh-CN" altLang="en-US" b="0" i="0" dirty="0">
-                <a:solidFill>
-                  <a:srgbClr val="000000"/>
-                </a:solidFill>
-                <a:effectLst/>
-                <a:latin typeface="+mn-ea"/>
-              </a:rPr>
-              <a:t>电池的样本点大小不一致</a:t>
-            </a:r>
-            <a:endParaRPr lang="en-US" altLang="zh-CN" b="0" i="0" dirty="0">
-              <a:solidFill>
-                <a:srgbClr val="000000"/>
-              </a:solidFill>
-              <a:effectLst/>
-              <a:latin typeface="+mn-ea"/>
-            </a:endParaRPr>
-          </a:p>
-          <a:p>
-            <a:endParaRPr lang="en-US" altLang="zh-CN" b="0" i="0" dirty="0">
-              <a:solidFill>
-                <a:srgbClr val="000000"/>
-              </a:solidFill>
-              <a:effectLst/>
-              <a:latin typeface="+mn-ea"/>
-            </a:endParaRPr>
-          </a:p>
-          <a:p>
-            <a:r>
-              <a:rPr lang="zh-CN" altLang="en-US" b="0" i="0" dirty="0">
-                <a:solidFill>
-                  <a:srgbClr val="000000"/>
-                </a:solidFill>
-                <a:effectLst/>
-                <a:latin typeface="+mn-ea"/>
-              </a:rPr>
-              <a:t>直接提取相同间隔的样本数据会丢失一些重要信息</a:t>
-            </a:r>
-            <a:endParaRPr lang="zh-CN" altLang="en-US" dirty="0">
-              <a:latin typeface="+mn-ea"/>
-            </a:endParaRPr>
-          </a:p>
-        </p:txBody>
-      </p:sp>
-      <p:sp>
-        <p:nvSpPr>
-          <p:cNvPr id="10" name="文本框 9">
-            <a:extLst>
-              <a:ext uri="{FF2B5EF4-FFF2-40B4-BE49-F238E27FC236}">
-                <a16:creationId xmlns:a16="http://schemas.microsoft.com/office/drawing/2014/main" id="{7FC814D9-1F1E-EE6D-4486-F2B714418EE5}"/>
-              </a:ext>
-            </a:extLst>
-          </p:cNvPr>
-          <p:cNvSpPr txBox="1"/>
-          <p:nvPr/>
-        </p:nvSpPr>
-        <p:spPr>
-          <a:xfrm>
-            <a:off x="4713290" y="4474403"/>
-            <a:ext cx="6094770" cy="646331"/>
-          </a:xfrm>
-          <a:prstGeom prst="rect">
-            <a:avLst/>
-          </a:prstGeom>
-          <a:noFill/>
-        </p:spPr>
-        <p:txBody>
-          <a:bodyPr wrap="square">
-            <a:spAutoFit/>
-          </a:bodyPr>
-          <a:lstStyle/>
-          <a:p>
-            <a:r>
-              <a:rPr lang="zh-CN" altLang="en-US" b="0" i="0" dirty="0">
-                <a:solidFill>
-                  <a:srgbClr val="000000"/>
-                </a:solidFill>
-                <a:effectLst/>
-                <a:latin typeface="+mn-ea"/>
-              </a:rPr>
-              <a:t>信息表征与信息维度之间存在正相关关系。信息维度越多，信息表示能力越强</a:t>
-            </a:r>
-            <a:endParaRPr lang="zh-CN" altLang="en-US" dirty="0">
-              <a:latin typeface="+mn-ea"/>
-            </a:endParaRPr>
-          </a:p>
-        </p:txBody>
-      </p:sp>
-      <p:pic>
-        <p:nvPicPr>
-          <p:cNvPr id="15" name="图片 14">
-            <a:extLst>
-              <a:ext uri="{FF2B5EF4-FFF2-40B4-BE49-F238E27FC236}">
-                <a16:creationId xmlns:a16="http://schemas.microsoft.com/office/drawing/2014/main" id="{9732C26D-398C-8F72-E3A0-D4C3CCE316FF}"/>
-              </a:ext>
-            </a:extLst>
-          </p:cNvPr>
-          <p:cNvPicPr>
-            <a:picLocks noChangeAspect="1"/>
-          </p:cNvPicPr>
-          <p:nvPr/>
-        </p:nvPicPr>
-        <p:blipFill>
-          <a:blip r:embed="rId2"/>
-          <a:stretch>
-            <a:fillRect/>
-          </a:stretch>
-        </p:blipFill>
-        <p:spPr>
-          <a:xfrm>
-            <a:off x="892120" y="1242710"/>
-            <a:ext cx="3392041" cy="5046424"/>
-          </a:xfrm>
-          <a:prstGeom prst="rect">
-            <a:avLst/>
-          </a:prstGeom>
-        </p:spPr>
-      </p:pic>
-      <p:sp>
-        <p:nvSpPr>
-          <p:cNvPr id="17" name="文本框 16">
-            <a:extLst>
-              <a:ext uri="{FF2B5EF4-FFF2-40B4-BE49-F238E27FC236}">
-                <a16:creationId xmlns:a16="http://schemas.microsoft.com/office/drawing/2014/main" id="{099316F9-419C-D0CD-65F6-6A8EE047D66D}"/>
-              </a:ext>
-            </a:extLst>
-          </p:cNvPr>
-          <p:cNvSpPr txBox="1"/>
-          <p:nvPr/>
-        </p:nvSpPr>
-        <p:spPr>
-          <a:xfrm>
-            <a:off x="4712996" y="3343874"/>
-            <a:ext cx="6095064" cy="369332"/>
-          </a:xfrm>
-          <a:prstGeom prst="rect">
-            <a:avLst/>
-          </a:prstGeom>
-          <a:noFill/>
-        </p:spPr>
-        <p:txBody>
-          <a:bodyPr wrap="square">
-            <a:spAutoFit/>
-          </a:bodyPr>
-          <a:lstStyle/>
-          <a:p>
-            <a:r>
-              <a:rPr lang="zh-CN" altLang="en-US" b="0" i="0" dirty="0">
-                <a:solidFill>
-                  <a:srgbClr val="000000"/>
-                </a:solidFill>
-                <a:effectLst/>
-                <a:latin typeface="+mn-ea"/>
-              </a:rPr>
-              <a:t>提取典型的几何特征信息</a:t>
-            </a:r>
-            <a:endParaRPr lang="zh-CN" altLang="en-US" dirty="0">
-              <a:latin typeface="+mn-ea"/>
-            </a:endParaRPr>
-          </a:p>
-        </p:txBody>
-      </p:sp>
-    </p:spTree>
-    <p:extLst>
-      <p:ext uri="{BB962C8B-B14F-4D97-AF65-F5344CB8AC3E}">
-        <p14:creationId xmlns:p14="http://schemas.microsoft.com/office/powerpoint/2010/main" val="976856484"/>
-      </p:ext>
-    </p:extLst>
-  </p:cSld>
-  <p:clrMapOvr>
-    <a:masterClrMapping/>
-  </p:clrMapOvr>
-</p:sld>
-</file>
-
-<file path=ppt/slides/slide11.xml><?xml version="1.0" encoding="utf-8"?>
-<p:sld xmlns:a="http://schemas.openxmlformats.org/drawingml/2006/main" xmlns:r="http://schemas.openxmlformats.org/officeDocument/2006/relationships" xmlns:p="http://schemas.openxmlformats.org/presentationml/2006/main">
-  <p:cSld>
-    <p:spTree>
-      <p:nvGrpSpPr>
-        <p:cNvPr id="1" name=""/>
-        <p:cNvGrpSpPr/>
-        <p:nvPr/>
-      </p:nvGrpSpPr>
-      <p:grpSpPr>
-        <a:xfrm>
-          <a:off x="0" y="0"/>
-          <a:ext cx="0" cy="0"/>
-          <a:chOff x="0" y="0"/>
-          <a:chExt cx="0" cy="0"/>
-        </a:xfrm>
-      </p:grpSpPr>
-      <p:sp>
-        <p:nvSpPr>
-          <p:cNvPr id="4" name="文本框 3">
-            <a:extLst>
-              <a:ext uri="{FF2B5EF4-FFF2-40B4-BE49-F238E27FC236}">
-                <a16:creationId xmlns:a16="http://schemas.microsoft.com/office/drawing/2014/main" id="{C8C66590-5AA9-4693-8D05-DB6B2C455FC8}"/>
-              </a:ext>
-            </a:extLst>
-          </p:cNvPr>
-          <p:cNvSpPr txBox="1"/>
-          <p:nvPr/>
-        </p:nvSpPr>
-        <p:spPr>
-          <a:xfrm>
-            <a:off x="1023115" y="305942"/>
-            <a:ext cx="9794514" cy="669927"/>
-          </a:xfrm>
-          <a:prstGeom prst="rect">
-            <a:avLst/>
-          </a:prstGeom>
-          <a:noFill/>
-        </p:spPr>
-        <p:txBody>
-          <a:bodyPr wrap="square" rtlCol="0">
-            <a:spAutoFit/>
-          </a:bodyPr>
-          <a:lstStyle/>
-          <a:p>
-            <a:pPr>
-              <a:lnSpc>
-                <a:spcPct val="150000"/>
-              </a:lnSpc>
-            </a:pPr>
-            <a:r>
-              <a:rPr lang="en-US" altLang="zh-CN" sz="2800" b="0" i="0" dirty="0">
-                <a:solidFill>
-                  <a:srgbClr val="000000"/>
-                </a:solidFill>
-                <a:effectLst/>
-                <a:latin typeface="Arial" panose="020B0604020202020204" pitchFamily="34" charset="0"/>
-              </a:rPr>
-              <a:t>HI feature</a:t>
-            </a:r>
-            <a:endParaRPr lang="en-US" altLang="zh-CN" sz="2800" b="1" dirty="0">
-              <a:latin typeface="+mn-ea"/>
-            </a:endParaRPr>
-          </a:p>
-        </p:txBody>
-      </p:sp>
-      <p:sp>
-        <p:nvSpPr>
-          <p:cNvPr id="14" name="文本框 13">
-            <a:extLst>
-              <a:ext uri="{FF2B5EF4-FFF2-40B4-BE49-F238E27FC236}">
-                <a16:creationId xmlns:a16="http://schemas.microsoft.com/office/drawing/2014/main" id="{6A52A97C-8E29-3125-F8E3-3DC47AF44E78}"/>
-              </a:ext>
-            </a:extLst>
-          </p:cNvPr>
-          <p:cNvSpPr txBox="1"/>
-          <p:nvPr/>
-        </p:nvSpPr>
-        <p:spPr>
-          <a:xfrm>
-            <a:off x="4949928" y="975869"/>
-            <a:ext cx="6094770" cy="3139321"/>
-          </a:xfrm>
-          <a:prstGeom prst="rect">
-            <a:avLst/>
-          </a:prstGeom>
-          <a:noFill/>
-        </p:spPr>
-        <p:txBody>
-          <a:bodyPr wrap="square">
-            <a:spAutoFit/>
-          </a:bodyPr>
-          <a:lstStyle/>
-          <a:p>
-            <a:pPr algn="just"/>
-            <a:r>
-              <a:rPr lang="zh-CN" altLang="en-US" b="0" i="0" dirty="0">
-                <a:solidFill>
-                  <a:srgbClr val="000000"/>
-                </a:solidFill>
-                <a:effectLst/>
-                <a:latin typeface="+mn-ea"/>
-              </a:rPr>
-              <a:t>为了提高模型的效率，有必要降低特征维数</a:t>
-            </a:r>
-            <a:endParaRPr lang="en-US" altLang="zh-CN" b="0" i="0" dirty="0">
-              <a:solidFill>
-                <a:srgbClr val="000000"/>
-              </a:solidFill>
-              <a:effectLst/>
-              <a:latin typeface="+mn-ea"/>
-            </a:endParaRPr>
-          </a:p>
-          <a:p>
-            <a:pPr algn="just"/>
-            <a:r>
-              <a:rPr lang="zh-CN" altLang="en-US" b="0" i="0" dirty="0">
-                <a:solidFill>
-                  <a:srgbClr val="000000"/>
-                </a:solidFill>
-                <a:effectLst/>
-                <a:latin typeface="+mn-ea"/>
-              </a:rPr>
-              <a:t>降维方法：</a:t>
-            </a:r>
-            <a:endParaRPr lang="en-US" altLang="zh-CN" b="0" i="0" dirty="0">
-              <a:solidFill>
-                <a:srgbClr val="000000"/>
-              </a:solidFill>
-              <a:effectLst/>
-              <a:latin typeface="+mn-ea"/>
-            </a:endParaRPr>
-          </a:p>
-          <a:p>
-            <a:pPr algn="just"/>
-            <a:r>
-              <a:rPr lang="zh-CN" altLang="en-US" b="0" i="0" dirty="0">
-                <a:solidFill>
-                  <a:srgbClr val="000000"/>
-                </a:solidFill>
-                <a:effectLst/>
-                <a:latin typeface="+mn-ea"/>
-              </a:rPr>
-              <a:t>包括主成分分析</a:t>
-            </a:r>
-            <a:r>
-              <a:rPr lang="en-US" altLang="zh-CN" b="0" i="0" dirty="0">
-                <a:solidFill>
-                  <a:srgbClr val="000000"/>
-                </a:solidFill>
-                <a:effectLst/>
-                <a:latin typeface="+mn-ea"/>
-              </a:rPr>
-              <a:t>(PCA)</a:t>
-            </a:r>
-          </a:p>
-          <a:p>
-            <a:pPr algn="just"/>
-            <a:r>
-              <a:rPr lang="zh-CN" altLang="en-US" b="0" i="0" dirty="0">
-                <a:solidFill>
-                  <a:srgbClr val="000000"/>
-                </a:solidFill>
-                <a:effectLst/>
-                <a:latin typeface="+mn-ea"/>
-              </a:rPr>
-              <a:t>独立成分分析</a:t>
-            </a:r>
-            <a:r>
-              <a:rPr lang="en-US" altLang="zh-CN" b="0" i="0" dirty="0">
-                <a:solidFill>
-                  <a:srgbClr val="000000"/>
-                </a:solidFill>
-                <a:effectLst/>
-                <a:latin typeface="+mn-ea"/>
-              </a:rPr>
-              <a:t>(ICA</a:t>
-            </a:r>
-            <a:r>
-              <a:rPr lang="en-US" altLang="zh-CN" dirty="0">
-                <a:solidFill>
-                  <a:srgbClr val="000000"/>
-                </a:solidFill>
-                <a:latin typeface="+mn-ea"/>
-              </a:rPr>
-              <a:t>)</a:t>
-            </a:r>
-          </a:p>
-          <a:p>
-            <a:pPr algn="just"/>
-            <a:r>
-              <a:rPr lang="zh-CN" altLang="en-US" b="0" i="0" dirty="0">
-                <a:solidFill>
-                  <a:srgbClr val="000000"/>
-                </a:solidFill>
-                <a:effectLst/>
-                <a:latin typeface="+mn-ea"/>
-              </a:rPr>
-              <a:t>自动编码器</a:t>
-            </a:r>
-            <a:endParaRPr lang="en-US" altLang="zh-CN" b="0" i="0" dirty="0">
-              <a:solidFill>
-                <a:srgbClr val="000000"/>
-              </a:solidFill>
-              <a:effectLst/>
-              <a:latin typeface="+mn-ea"/>
-            </a:endParaRPr>
-          </a:p>
-          <a:p>
-            <a:pPr algn="just"/>
-            <a:endParaRPr lang="en-US" altLang="zh-CN" b="0" i="0" dirty="0">
-              <a:solidFill>
-                <a:srgbClr val="000000"/>
-              </a:solidFill>
-              <a:effectLst/>
-              <a:latin typeface="+mn-ea"/>
-            </a:endParaRPr>
-          </a:p>
-          <a:p>
-            <a:pPr algn="just"/>
-            <a:endParaRPr lang="en-US" altLang="zh-CN" dirty="0">
-              <a:solidFill>
-                <a:srgbClr val="000000"/>
-              </a:solidFill>
-              <a:latin typeface="+mn-ea"/>
-            </a:endParaRPr>
-          </a:p>
-          <a:p>
-            <a:pPr algn="just"/>
-            <a:endParaRPr lang="en-US" altLang="zh-CN" b="0" i="0" dirty="0">
-              <a:solidFill>
-                <a:srgbClr val="000000"/>
-              </a:solidFill>
-              <a:effectLst/>
-              <a:latin typeface="+mn-ea"/>
-            </a:endParaRPr>
-          </a:p>
-          <a:p>
-            <a:pPr algn="just"/>
-            <a:r>
-              <a:rPr lang="zh-CN" altLang="en-US" b="0" i="0" dirty="0">
-                <a:solidFill>
-                  <a:srgbClr val="000000"/>
-                </a:solidFill>
-                <a:effectLst/>
-                <a:latin typeface="+mn-ea"/>
-              </a:rPr>
-              <a:t>自编码器神经网络</a:t>
-            </a:r>
-            <a:endParaRPr lang="en-US" altLang="zh-CN" b="0" i="0" dirty="0">
-              <a:solidFill>
-                <a:srgbClr val="000000"/>
-              </a:solidFill>
-              <a:effectLst/>
-              <a:latin typeface="+mn-ea"/>
-            </a:endParaRPr>
-          </a:p>
-          <a:p>
-            <a:pPr algn="just"/>
-            <a:r>
-              <a:rPr lang="en-US" altLang="zh-CN" dirty="0">
-                <a:solidFill>
-                  <a:srgbClr val="000000"/>
-                </a:solidFill>
-                <a:latin typeface="+mn-ea"/>
-              </a:rPr>
-              <a:t>       </a:t>
-            </a:r>
-            <a:r>
-              <a:rPr lang="zh-CN" altLang="en-US" b="0" i="0" dirty="0">
-                <a:solidFill>
-                  <a:srgbClr val="000000"/>
-                </a:solidFill>
-                <a:effectLst/>
-                <a:latin typeface="+mn-ea"/>
-              </a:rPr>
-              <a:t>试图学习一个常数函数，输出的结果接近输入数据给出的目标</a:t>
-            </a:r>
-            <a:endParaRPr lang="en-US" altLang="zh-CN" b="0" i="0" dirty="0">
-              <a:solidFill>
-                <a:srgbClr val="000000"/>
-              </a:solidFill>
-              <a:effectLst/>
-              <a:latin typeface="+mn-ea"/>
-            </a:endParaRPr>
-          </a:p>
-        </p:txBody>
-      </p:sp>
-      <p:pic>
-        <p:nvPicPr>
-          <p:cNvPr id="5" name="图片 4">
-            <a:extLst>
-              <a:ext uri="{FF2B5EF4-FFF2-40B4-BE49-F238E27FC236}">
-                <a16:creationId xmlns:a16="http://schemas.microsoft.com/office/drawing/2014/main" id="{0044310C-6D8D-66B1-EDA4-7CE16756216A}"/>
-              </a:ext>
-            </a:extLst>
-          </p:cNvPr>
-          <p:cNvPicPr>
-            <a:picLocks noChangeAspect="1"/>
-          </p:cNvPicPr>
-          <p:nvPr/>
-        </p:nvPicPr>
-        <p:blipFill>
-          <a:blip r:embed="rId2"/>
-          <a:stretch>
-            <a:fillRect/>
-          </a:stretch>
-        </p:blipFill>
-        <p:spPr>
-          <a:xfrm>
-            <a:off x="897317" y="1710814"/>
-            <a:ext cx="4052611" cy="2833686"/>
-          </a:xfrm>
-          <a:prstGeom prst="rect">
-            <a:avLst/>
-          </a:prstGeom>
-        </p:spPr>
-      </p:pic>
-    </p:spTree>
-    <p:extLst>
-      <p:ext uri="{BB962C8B-B14F-4D97-AF65-F5344CB8AC3E}">
-        <p14:creationId xmlns:p14="http://schemas.microsoft.com/office/powerpoint/2010/main" val="809275517"/>
-      </p:ext>
-    </p:extLst>
-  </p:cSld>
-  <p:clrMapOvr>
-    <a:masterClrMapping/>
-  </p:clrMapOvr>
-</p:sld>
-</file>
-
-<file path=ppt/slides/slide12.xml><?xml version="1.0" encoding="utf-8"?>
-<p:sld xmlns:a="http://schemas.openxmlformats.org/drawingml/2006/main" xmlns:r="http://schemas.openxmlformats.org/officeDocument/2006/relationships" xmlns:p="http://schemas.openxmlformats.org/presentationml/2006/main">
-  <p:cSld>
-    <p:spTree>
-      <p:nvGrpSpPr>
-        <p:cNvPr id="1" name=""/>
-        <p:cNvGrpSpPr/>
-        <p:nvPr/>
-      </p:nvGrpSpPr>
-      <p:grpSpPr>
-        <a:xfrm>
-          <a:off x="0" y="0"/>
-          <a:ext cx="0" cy="0"/>
-          <a:chOff x="0" y="0"/>
-          <a:chExt cx="0" cy="0"/>
-        </a:xfrm>
-      </p:grpSpPr>
-      <p:sp>
-        <p:nvSpPr>
-          <p:cNvPr id="4" name="文本框 3">
-            <a:extLst>
-              <a:ext uri="{FF2B5EF4-FFF2-40B4-BE49-F238E27FC236}">
-                <a16:creationId xmlns:a16="http://schemas.microsoft.com/office/drawing/2014/main" id="{C8C66590-5AA9-4693-8D05-DB6B2C455FC8}"/>
-              </a:ext>
-            </a:extLst>
-          </p:cNvPr>
-          <p:cNvSpPr txBox="1"/>
-          <p:nvPr/>
-        </p:nvSpPr>
-        <p:spPr>
-          <a:xfrm>
-            <a:off x="1023115" y="305942"/>
-            <a:ext cx="9794514" cy="669927"/>
-          </a:xfrm>
-          <a:prstGeom prst="rect">
-            <a:avLst/>
-          </a:prstGeom>
-          <a:noFill/>
-        </p:spPr>
-        <p:txBody>
-          <a:bodyPr wrap="square" rtlCol="0">
-            <a:spAutoFit/>
-          </a:bodyPr>
-          <a:lstStyle/>
-          <a:p>
-            <a:pPr>
-              <a:lnSpc>
-                <a:spcPct val="150000"/>
-              </a:lnSpc>
-            </a:pPr>
-            <a:r>
-              <a:rPr lang="en-US" altLang="zh-CN" sz="2800" dirty="0">
-                <a:solidFill>
-                  <a:srgbClr val="000000"/>
-                </a:solidFill>
-                <a:latin typeface="Arial" panose="020B0604020202020204" pitchFamily="34" charset="0"/>
-              </a:rPr>
-              <a:t>model</a:t>
-            </a:r>
-            <a:endParaRPr lang="en-US" altLang="zh-CN" sz="2800" b="1" dirty="0">
-              <a:latin typeface="+mn-ea"/>
-            </a:endParaRPr>
-          </a:p>
-        </p:txBody>
-      </p:sp>
-      <p:pic>
-        <p:nvPicPr>
-          <p:cNvPr id="9" name="图片 8">
-            <a:extLst>
-              <a:ext uri="{FF2B5EF4-FFF2-40B4-BE49-F238E27FC236}">
-                <a16:creationId xmlns:a16="http://schemas.microsoft.com/office/drawing/2014/main" id="{C410EC33-30A0-93E0-3E7F-5572672A4964}"/>
-              </a:ext>
-            </a:extLst>
-          </p:cNvPr>
-          <p:cNvPicPr>
-            <a:picLocks noChangeAspect="1"/>
-          </p:cNvPicPr>
-          <p:nvPr/>
-        </p:nvPicPr>
-        <p:blipFill>
-          <a:blip r:embed="rId2"/>
-          <a:stretch>
-            <a:fillRect/>
-          </a:stretch>
-        </p:blipFill>
-        <p:spPr>
-          <a:xfrm>
-            <a:off x="4431671" y="366633"/>
-            <a:ext cx="4280373" cy="6254307"/>
-          </a:xfrm>
-          <a:prstGeom prst="rect">
-            <a:avLst/>
-          </a:prstGeom>
-        </p:spPr>
-      </p:pic>
-    </p:spTree>
-    <p:extLst>
-      <p:ext uri="{BB962C8B-B14F-4D97-AF65-F5344CB8AC3E}">
-        <p14:creationId xmlns:p14="http://schemas.microsoft.com/office/powerpoint/2010/main" val="1790158518"/>
-      </p:ext>
-    </p:extLst>
-  </p:cSld>
-  <p:clrMapOvr>
-    <a:masterClrMapping/>
-  </p:clrMapOvr>
-</p:sld>
-</file>
-
-<file path=ppt/slides/slide13.xml><?xml version="1.0" encoding="utf-8"?>
-<p:sld xmlns:a="http://schemas.openxmlformats.org/drawingml/2006/main" xmlns:r="http://schemas.openxmlformats.org/officeDocument/2006/relationships" xmlns:p="http://schemas.openxmlformats.org/presentationml/2006/main">
-  <p:cSld>
-    <p:spTree>
-      <p:nvGrpSpPr>
-        <p:cNvPr id="1" name=""/>
-        <p:cNvGrpSpPr/>
-        <p:nvPr/>
-      </p:nvGrpSpPr>
-      <p:grpSpPr>
-        <a:xfrm>
-          <a:off x="0" y="0"/>
-          <a:ext cx="0" cy="0"/>
-          <a:chOff x="0" y="0"/>
-          <a:chExt cx="0" cy="0"/>
-        </a:xfrm>
-      </p:grpSpPr>
-      <p:sp>
-        <p:nvSpPr>
-          <p:cNvPr id="4" name="文本框 3">
-            <a:extLst>
-              <a:ext uri="{FF2B5EF4-FFF2-40B4-BE49-F238E27FC236}">
-                <a16:creationId xmlns:a16="http://schemas.microsoft.com/office/drawing/2014/main" id="{C8C66590-5AA9-4693-8D05-DB6B2C455FC8}"/>
-              </a:ext>
-            </a:extLst>
-          </p:cNvPr>
-          <p:cNvSpPr txBox="1"/>
-          <p:nvPr/>
-        </p:nvSpPr>
-        <p:spPr>
-          <a:xfrm>
-            <a:off x="1023115" y="305942"/>
-            <a:ext cx="9794514" cy="669927"/>
-          </a:xfrm>
-          <a:prstGeom prst="rect">
-            <a:avLst/>
-          </a:prstGeom>
-          <a:noFill/>
-        </p:spPr>
-        <p:txBody>
-          <a:bodyPr wrap="square" rtlCol="0">
-            <a:spAutoFit/>
-          </a:bodyPr>
-          <a:lstStyle/>
-          <a:p>
-            <a:pPr>
-              <a:lnSpc>
-                <a:spcPct val="150000"/>
-              </a:lnSpc>
-            </a:pPr>
-            <a:r>
-              <a:rPr lang="en-US" altLang="zh-CN" sz="2800" b="0" i="0" dirty="0">
-                <a:solidFill>
-                  <a:srgbClr val="000000"/>
-                </a:solidFill>
-                <a:effectLst/>
-                <a:latin typeface="Arial" panose="020B0604020202020204" pitchFamily="34" charset="0"/>
-              </a:rPr>
-              <a:t>result</a:t>
-            </a:r>
-            <a:endParaRPr lang="en-US" altLang="zh-CN" sz="2800" b="1" dirty="0">
-              <a:latin typeface="+mn-ea"/>
-            </a:endParaRPr>
-          </a:p>
-        </p:txBody>
-      </p:sp>
-      <p:pic>
-        <p:nvPicPr>
-          <p:cNvPr id="3" name="图片 2">
-            <a:extLst>
-              <a:ext uri="{FF2B5EF4-FFF2-40B4-BE49-F238E27FC236}">
-                <a16:creationId xmlns:a16="http://schemas.microsoft.com/office/drawing/2014/main" id="{49AEEF1A-733A-B2FE-023F-2144B90ABA65}"/>
-              </a:ext>
-            </a:extLst>
-          </p:cNvPr>
-          <p:cNvPicPr>
-            <a:picLocks noChangeAspect="1"/>
-          </p:cNvPicPr>
-          <p:nvPr/>
-        </p:nvPicPr>
-        <p:blipFill>
-          <a:blip r:embed="rId2"/>
-          <a:stretch>
-            <a:fillRect/>
-          </a:stretch>
-        </p:blipFill>
-        <p:spPr>
-          <a:xfrm>
-            <a:off x="1147302" y="1500187"/>
-            <a:ext cx="6334125" cy="3857625"/>
-          </a:xfrm>
-          <a:prstGeom prst="rect">
-            <a:avLst/>
-          </a:prstGeom>
-        </p:spPr>
-      </p:pic>
-    </p:spTree>
-    <p:extLst>
-      <p:ext uri="{BB962C8B-B14F-4D97-AF65-F5344CB8AC3E}">
-        <p14:creationId xmlns:p14="http://schemas.microsoft.com/office/powerpoint/2010/main" val="254558743"/>
-      </p:ext>
-    </p:extLst>
-  </p:cSld>
-  <p:clrMapOvr>
-    <a:masterClrMapping/>
-  </p:clrMapOvr>
-</p:sld>
-</file>
-
-<file path=ppt/slides/slide2.xml><?xml version="1.0" encoding="utf-8"?>
-<p:sld xmlns:a="http://schemas.openxmlformats.org/drawingml/2006/main" xmlns:r="http://schemas.openxmlformats.org/officeDocument/2006/relationships" xmlns:p="http://schemas.openxmlformats.org/presentationml/2006/main">
-  <p:cSld>
-    <p:spTree>
-      <p:nvGrpSpPr>
-        <p:cNvPr id="1" name=""/>
-        <p:cNvGrpSpPr/>
-        <p:nvPr/>
-      </p:nvGrpSpPr>
-      <p:grpSpPr>
-        <a:xfrm>
-          <a:off x="0" y="0"/>
-          <a:ext cx="0" cy="0"/>
-          <a:chOff x="0" y="0"/>
-          <a:chExt cx="0" cy="0"/>
-        </a:xfrm>
-      </p:grpSpPr>
-      <p:sp>
-        <p:nvSpPr>
-          <p:cNvPr id="4" name="文本框 3">
-            <a:extLst>
-              <a:ext uri="{FF2B5EF4-FFF2-40B4-BE49-F238E27FC236}">
-                <a16:creationId xmlns:a16="http://schemas.microsoft.com/office/drawing/2014/main" id="{C8C66590-5AA9-4693-8D05-DB6B2C455FC8}"/>
-              </a:ext>
-            </a:extLst>
-          </p:cNvPr>
-          <p:cNvSpPr txBox="1"/>
-          <p:nvPr/>
-        </p:nvSpPr>
-        <p:spPr>
-          <a:xfrm>
-            <a:off x="1023115" y="305942"/>
-            <a:ext cx="9794514" cy="1319336"/>
-          </a:xfrm>
-          <a:prstGeom prst="rect">
-            <a:avLst/>
-          </a:prstGeom>
-          <a:noFill/>
-        </p:spPr>
-        <p:txBody>
-          <a:bodyPr wrap="square" rtlCol="0">
-            <a:spAutoFit/>
-          </a:bodyPr>
-          <a:lstStyle/>
-          <a:p>
-            <a:pPr>
-              <a:lnSpc>
-                <a:spcPct val="150000"/>
-              </a:lnSpc>
-            </a:pPr>
-            <a:r>
-              <a:rPr lang="en-US" altLang="zh-CN" sz="2800" b="1" dirty="0">
-                <a:latin typeface="+mn-ea"/>
-              </a:rPr>
-              <a:t>result</a:t>
-            </a:r>
-          </a:p>
-          <a:p>
-            <a:pPr>
-              <a:lnSpc>
-                <a:spcPct val="150000"/>
-              </a:lnSpc>
-            </a:pPr>
-            <a:endParaRPr lang="en-US" altLang="zh-CN" sz="2800" b="1" dirty="0">
-              <a:latin typeface="+mn-ea"/>
-            </a:endParaRPr>
-          </a:p>
-        </p:txBody>
-      </p:sp>
-      <p:pic>
-        <p:nvPicPr>
-          <p:cNvPr id="9" name="图片 8">
-            <a:extLst>
-              <a:ext uri="{FF2B5EF4-FFF2-40B4-BE49-F238E27FC236}">
-                <a16:creationId xmlns:a16="http://schemas.microsoft.com/office/drawing/2014/main" id="{E4642D61-A4CB-F1B7-3985-C78F75F8C263}"/>
-              </a:ext>
-            </a:extLst>
-          </p:cNvPr>
-          <p:cNvPicPr>
-            <a:picLocks noChangeAspect="1"/>
-          </p:cNvPicPr>
-          <p:nvPr/>
-        </p:nvPicPr>
-        <p:blipFill>
-          <a:blip r:embed="rId2"/>
-          <a:stretch>
-            <a:fillRect/>
-          </a:stretch>
-        </p:blipFill>
-        <p:spPr>
-          <a:xfrm>
-            <a:off x="889117" y="1479030"/>
-            <a:ext cx="9985038" cy="1279929"/>
-          </a:xfrm>
-          <a:prstGeom prst="rect">
-            <a:avLst/>
-          </a:prstGeom>
-        </p:spPr>
-      </p:pic>
-      <p:pic>
-        <p:nvPicPr>
-          <p:cNvPr id="5" name="图片 4">
-            <a:extLst>
-              <a:ext uri="{FF2B5EF4-FFF2-40B4-BE49-F238E27FC236}">
-                <a16:creationId xmlns:a16="http://schemas.microsoft.com/office/drawing/2014/main" id="{A0A00F65-25FE-CC82-7AE8-70C2317FFC10}"/>
-              </a:ext>
-            </a:extLst>
-          </p:cNvPr>
-          <p:cNvPicPr>
-            <a:picLocks noChangeAspect="1"/>
-          </p:cNvPicPr>
-          <p:nvPr/>
-        </p:nvPicPr>
-        <p:blipFill>
-          <a:blip r:embed="rId3"/>
-          <a:stretch>
-            <a:fillRect/>
-          </a:stretch>
-        </p:blipFill>
-        <p:spPr>
-          <a:xfrm>
-            <a:off x="889117" y="3227814"/>
-            <a:ext cx="9427335" cy="1504278"/>
-          </a:xfrm>
-          <a:prstGeom prst="rect">
-            <a:avLst/>
-          </a:prstGeom>
-        </p:spPr>
-      </p:pic>
-    </p:spTree>
-    <p:extLst>
-      <p:ext uri="{BB962C8B-B14F-4D97-AF65-F5344CB8AC3E}">
-        <p14:creationId xmlns:p14="http://schemas.microsoft.com/office/powerpoint/2010/main" val="429628039"/>
-      </p:ext>
-    </p:extLst>
-  </p:cSld>
-  <p:clrMapOvr>
-    <a:masterClrMapping/>
-  </p:clrMapOvr>
-</p:sld>
-</file>
-
-<file path=ppt/slides/slide3.xml><?xml version="1.0" encoding="utf-8"?>
-<p:sld xmlns:a="http://schemas.openxmlformats.org/drawingml/2006/main" xmlns:r="http://schemas.openxmlformats.org/officeDocument/2006/relationships" xmlns:p="http://schemas.openxmlformats.org/presentationml/2006/main">
-  <p:cSld>
-    <p:spTree>
-      <p:nvGrpSpPr>
-        <p:cNvPr id="1" name=""/>
-        <p:cNvGrpSpPr/>
-        <p:nvPr/>
-      </p:nvGrpSpPr>
-      <p:grpSpPr>
-        <a:xfrm>
-          <a:off x="0" y="0"/>
-          <a:ext cx="0" cy="0"/>
-          <a:chOff x="0" y="0"/>
-          <a:chExt cx="0" cy="0"/>
-        </a:xfrm>
-      </p:grpSpPr>
-      <p:sp>
-        <p:nvSpPr>
-          <p:cNvPr id="4" name="文本框 3">
-            <a:extLst>
-              <a:ext uri="{FF2B5EF4-FFF2-40B4-BE49-F238E27FC236}">
-                <a16:creationId xmlns:a16="http://schemas.microsoft.com/office/drawing/2014/main" id="{C8C66590-5AA9-4693-8D05-DB6B2C455FC8}"/>
-              </a:ext>
-            </a:extLst>
-          </p:cNvPr>
-          <p:cNvSpPr txBox="1"/>
-          <p:nvPr/>
-        </p:nvSpPr>
-        <p:spPr>
-          <a:xfrm>
-            <a:off x="1023115" y="305942"/>
-            <a:ext cx="9794514" cy="1319336"/>
-          </a:xfrm>
-          <a:prstGeom prst="rect">
-            <a:avLst/>
-          </a:prstGeom>
-          <a:noFill/>
-        </p:spPr>
-        <p:txBody>
-          <a:bodyPr wrap="square" rtlCol="0">
-            <a:spAutoFit/>
-          </a:bodyPr>
-          <a:lstStyle/>
-          <a:p>
-            <a:pPr>
-              <a:lnSpc>
-                <a:spcPct val="150000"/>
-              </a:lnSpc>
-            </a:pPr>
-            <a:r>
-              <a:rPr lang="en-US" altLang="zh-CN" sz="2800" b="1" dirty="0">
-                <a:latin typeface="+mn-ea"/>
-              </a:rPr>
-              <a:t>result</a:t>
-            </a:r>
-          </a:p>
-          <a:p>
-            <a:pPr>
-              <a:lnSpc>
-                <a:spcPct val="150000"/>
-              </a:lnSpc>
-            </a:pPr>
-            <a:endParaRPr lang="en-US" altLang="zh-CN" sz="2800" b="1" dirty="0">
-              <a:latin typeface="+mn-ea"/>
-            </a:endParaRPr>
-          </a:p>
-        </p:txBody>
-      </p:sp>
-      <p:pic>
-        <p:nvPicPr>
-          <p:cNvPr id="6" name="图片 5">
-            <a:extLst>
-              <a:ext uri="{FF2B5EF4-FFF2-40B4-BE49-F238E27FC236}">
-                <a16:creationId xmlns:a16="http://schemas.microsoft.com/office/drawing/2014/main" id="{F2A14FFF-E449-6B7C-210E-8D8C2FCFD0FF}"/>
-              </a:ext>
-            </a:extLst>
-          </p:cNvPr>
-          <p:cNvPicPr>
-            <a:picLocks noChangeAspect="1"/>
-          </p:cNvPicPr>
-          <p:nvPr/>
-        </p:nvPicPr>
-        <p:blipFill>
-          <a:blip r:embed="rId2"/>
-          <a:stretch>
-            <a:fillRect/>
-          </a:stretch>
-        </p:blipFill>
-        <p:spPr>
-          <a:xfrm>
-            <a:off x="1023115" y="1188277"/>
-            <a:ext cx="9352234" cy="1505799"/>
-          </a:xfrm>
-          <a:prstGeom prst="rect">
-            <a:avLst/>
-          </a:prstGeom>
-        </p:spPr>
-      </p:pic>
-      <p:pic>
-        <p:nvPicPr>
-          <p:cNvPr id="8" name="图片 7">
-            <a:extLst>
-              <a:ext uri="{FF2B5EF4-FFF2-40B4-BE49-F238E27FC236}">
-                <a16:creationId xmlns:a16="http://schemas.microsoft.com/office/drawing/2014/main" id="{8214A146-C57F-1E62-CAB6-0A566AC5B4ED}"/>
-              </a:ext>
-            </a:extLst>
-          </p:cNvPr>
-          <p:cNvPicPr>
-            <a:picLocks noChangeAspect="1"/>
-          </p:cNvPicPr>
-          <p:nvPr/>
-        </p:nvPicPr>
-        <p:blipFill>
-          <a:blip r:embed="rId3"/>
-          <a:stretch>
-            <a:fillRect/>
-          </a:stretch>
-        </p:blipFill>
-        <p:spPr>
-          <a:xfrm>
-            <a:off x="1023115" y="3143604"/>
-            <a:ext cx="9352234" cy="1609608"/>
-          </a:xfrm>
-          <a:prstGeom prst="rect">
-            <a:avLst/>
-          </a:prstGeom>
-        </p:spPr>
-      </p:pic>
-    </p:spTree>
-    <p:extLst>
-      <p:ext uri="{BB962C8B-B14F-4D97-AF65-F5344CB8AC3E}">
-        <p14:creationId xmlns:p14="http://schemas.microsoft.com/office/powerpoint/2010/main" val="4207380212"/>
-      </p:ext>
-    </p:extLst>
-  </p:cSld>
-  <p:clrMapOvr>
-    <a:masterClrMapping/>
-  </p:clrMapOvr>
-</p:sld>
-</file>
-
-<file path=ppt/slides/slide4.xml><?xml version="1.0" encoding="utf-8"?>
-<p:sld xmlns:a="http://schemas.openxmlformats.org/drawingml/2006/main" xmlns:r="http://schemas.openxmlformats.org/officeDocument/2006/relationships" xmlns:p="http://schemas.openxmlformats.org/presentationml/2006/main">
-  <p:cSld>
-    <p:spTree>
-      <p:nvGrpSpPr>
-        <p:cNvPr id="1" name=""/>
-        <p:cNvGrpSpPr/>
-        <p:nvPr/>
-      </p:nvGrpSpPr>
-      <p:grpSpPr>
-        <a:xfrm>
-          <a:off x="0" y="0"/>
-          <a:ext cx="0" cy="0"/>
-          <a:chOff x="0" y="0"/>
-          <a:chExt cx="0" cy="0"/>
-        </a:xfrm>
-      </p:grpSpPr>
-      <p:sp>
-        <p:nvSpPr>
-          <p:cNvPr id="4" name="文本框 3">
-            <a:extLst>
-              <a:ext uri="{FF2B5EF4-FFF2-40B4-BE49-F238E27FC236}">
-                <a16:creationId xmlns:a16="http://schemas.microsoft.com/office/drawing/2014/main" id="{C8C66590-5AA9-4693-8D05-DB6B2C455FC8}"/>
-              </a:ext>
-            </a:extLst>
-          </p:cNvPr>
-          <p:cNvSpPr txBox="1"/>
-          <p:nvPr/>
-        </p:nvSpPr>
-        <p:spPr>
-          <a:xfrm>
-            <a:off x="1023115" y="305942"/>
-            <a:ext cx="9794514" cy="673005"/>
-          </a:xfrm>
-          <a:prstGeom prst="rect">
-            <a:avLst/>
-          </a:prstGeom>
-          <a:noFill/>
-        </p:spPr>
-        <p:txBody>
-          <a:bodyPr wrap="square" rtlCol="0">
-            <a:spAutoFit/>
-          </a:bodyPr>
-          <a:lstStyle/>
-          <a:p>
-            <a:pPr>
-              <a:lnSpc>
-                <a:spcPct val="150000"/>
-              </a:lnSpc>
-            </a:pPr>
-            <a:r>
-              <a:rPr lang="en-US" altLang="zh-CN" sz="2800" b="1" dirty="0">
-                <a:latin typeface="+mn-ea"/>
-              </a:rPr>
-              <a:t>result</a:t>
-            </a:r>
-            <a:r>
-              <a:rPr lang="zh-CN" altLang="en-US" sz="2800" dirty="0">
-                <a:latin typeface="+mn-ea"/>
-              </a:rPr>
-              <a:t>（无噪声特征选择）</a:t>
-            </a:r>
-            <a:endParaRPr lang="en-US" altLang="zh-CN" sz="2800" dirty="0">
-              <a:latin typeface="+mn-ea"/>
-            </a:endParaRPr>
-          </a:p>
-        </p:txBody>
-      </p:sp>
-      <p:pic>
-        <p:nvPicPr>
-          <p:cNvPr id="5" name="图片 4">
-            <a:extLst>
-              <a:ext uri="{FF2B5EF4-FFF2-40B4-BE49-F238E27FC236}">
-                <a16:creationId xmlns:a16="http://schemas.microsoft.com/office/drawing/2014/main" id="{067E24B4-71F7-7A2C-B2D6-DCF006BCC495}"/>
-              </a:ext>
-            </a:extLst>
-          </p:cNvPr>
-          <p:cNvPicPr>
-            <a:picLocks noChangeAspect="1"/>
-          </p:cNvPicPr>
-          <p:nvPr/>
-        </p:nvPicPr>
-        <p:blipFill>
-          <a:blip r:embed="rId2"/>
-          <a:stretch>
-            <a:fillRect/>
-          </a:stretch>
-        </p:blipFill>
-        <p:spPr>
-          <a:xfrm>
-            <a:off x="931259" y="1320302"/>
-            <a:ext cx="10325458" cy="1185482"/>
-          </a:xfrm>
-          <a:prstGeom prst="rect">
-            <a:avLst/>
-          </a:prstGeom>
-        </p:spPr>
-      </p:pic>
-      <p:pic>
-        <p:nvPicPr>
-          <p:cNvPr id="9" name="图片 8">
-            <a:extLst>
-              <a:ext uri="{FF2B5EF4-FFF2-40B4-BE49-F238E27FC236}">
-                <a16:creationId xmlns:a16="http://schemas.microsoft.com/office/drawing/2014/main" id="{8C023A80-9227-EB51-B876-3263E5C17ED3}"/>
-              </a:ext>
-            </a:extLst>
-          </p:cNvPr>
-          <p:cNvPicPr>
-            <a:picLocks noChangeAspect="1"/>
-          </p:cNvPicPr>
-          <p:nvPr/>
-        </p:nvPicPr>
-        <p:blipFill>
-          <a:blip r:embed="rId3"/>
-          <a:stretch>
-            <a:fillRect/>
-          </a:stretch>
-        </p:blipFill>
-        <p:spPr>
-          <a:xfrm>
-            <a:off x="931259" y="3314997"/>
-            <a:ext cx="9929345" cy="1122008"/>
-          </a:xfrm>
-          <a:prstGeom prst="rect">
-            <a:avLst/>
-          </a:prstGeom>
-        </p:spPr>
-      </p:pic>
-    </p:spTree>
-    <p:extLst>
-      <p:ext uri="{BB962C8B-B14F-4D97-AF65-F5344CB8AC3E}">
-        <p14:creationId xmlns:p14="http://schemas.microsoft.com/office/powerpoint/2010/main" val="941429771"/>
-      </p:ext>
-    </p:extLst>
-  </p:cSld>
-  <p:clrMapOvr>
-    <a:masterClrMapping/>
-  </p:clrMapOvr>
-</p:sld>
-</file>
-
-<file path=ppt/slides/slide5.xml><?xml version="1.0" encoding="utf-8"?>
-<p:sld xmlns:a="http://schemas.openxmlformats.org/drawingml/2006/main" xmlns:r="http://schemas.openxmlformats.org/officeDocument/2006/relationships" xmlns:p="http://schemas.openxmlformats.org/presentationml/2006/main">
-  <p:cSld>
-    <p:spTree>
-      <p:nvGrpSpPr>
-        <p:cNvPr id="1" name=""/>
-        <p:cNvGrpSpPr/>
-        <p:nvPr/>
-      </p:nvGrpSpPr>
-      <p:grpSpPr>
-        <a:xfrm>
-          <a:off x="0" y="0"/>
-          <a:ext cx="0" cy="0"/>
-          <a:chOff x="0" y="0"/>
-          <a:chExt cx="0" cy="0"/>
-        </a:xfrm>
-      </p:grpSpPr>
-      <p:sp>
-        <p:nvSpPr>
-          <p:cNvPr id="4" name="文本框 3">
-            <a:extLst>
-              <a:ext uri="{FF2B5EF4-FFF2-40B4-BE49-F238E27FC236}">
-                <a16:creationId xmlns:a16="http://schemas.microsoft.com/office/drawing/2014/main" id="{C8C66590-5AA9-4693-8D05-DB6B2C455FC8}"/>
-              </a:ext>
-            </a:extLst>
-          </p:cNvPr>
-          <p:cNvSpPr txBox="1"/>
-          <p:nvPr/>
-        </p:nvSpPr>
-        <p:spPr>
-          <a:xfrm>
-            <a:off x="1023115" y="305942"/>
-            <a:ext cx="9794514" cy="673005"/>
-          </a:xfrm>
-          <a:prstGeom prst="rect">
-            <a:avLst/>
-          </a:prstGeom>
-          <a:noFill/>
-        </p:spPr>
-        <p:txBody>
-          <a:bodyPr wrap="square" rtlCol="0">
-            <a:spAutoFit/>
-          </a:bodyPr>
-          <a:lstStyle/>
-          <a:p>
-            <a:pPr>
-              <a:lnSpc>
-                <a:spcPct val="150000"/>
-              </a:lnSpc>
-            </a:pPr>
-            <a:r>
-              <a:rPr lang="en-US" altLang="zh-CN" sz="2800" b="1" dirty="0">
-                <a:latin typeface="+mn-ea"/>
-              </a:rPr>
-              <a:t>result</a:t>
-            </a:r>
-            <a:endParaRPr lang="en-US" altLang="zh-CN" sz="2800" dirty="0">
-              <a:latin typeface="+mn-ea"/>
-            </a:endParaRPr>
-          </a:p>
-        </p:txBody>
-      </p:sp>
-      <p:sp>
-        <p:nvSpPr>
-          <p:cNvPr id="2" name="文本框 1">
-            <a:extLst>
-              <a:ext uri="{FF2B5EF4-FFF2-40B4-BE49-F238E27FC236}">
-                <a16:creationId xmlns:a16="http://schemas.microsoft.com/office/drawing/2014/main" id="{55E5A240-8A01-84B9-FD39-C52286AB3DFA}"/>
-              </a:ext>
-            </a:extLst>
-          </p:cNvPr>
-          <p:cNvSpPr txBox="1"/>
-          <p:nvPr/>
-        </p:nvSpPr>
-        <p:spPr>
-          <a:xfrm>
-            <a:off x="6726803" y="2445130"/>
-            <a:ext cx="5234125" cy="1200329"/>
-          </a:xfrm>
-          <a:prstGeom prst="rect">
-            <a:avLst/>
-          </a:prstGeom>
-          <a:noFill/>
-        </p:spPr>
-        <p:txBody>
-          <a:bodyPr wrap="none" rtlCol="0">
-            <a:spAutoFit/>
-          </a:bodyPr>
-          <a:lstStyle/>
-          <a:p>
-            <a:r>
-              <a:rPr lang="zh-CN" altLang="en-US" dirty="0"/>
-              <a:t>加噪声</a:t>
-            </a:r>
-            <a:r>
-              <a:rPr lang="en-US" altLang="zh-CN" dirty="0"/>
-              <a:t>-</a:t>
-            </a:r>
-            <a:r>
-              <a:rPr lang="zh-CN" altLang="en-US" dirty="0"/>
-              <a:t>加噪声加特征</a:t>
-            </a:r>
-            <a:r>
-              <a:rPr lang="en-US" altLang="zh-CN" dirty="0"/>
-              <a:t>/</a:t>
-            </a:r>
-            <a:r>
-              <a:rPr lang="zh-CN" altLang="en-US" dirty="0"/>
-              <a:t>加噪声（第二数据集更大）</a:t>
-            </a:r>
-            <a:endParaRPr lang="en-US" altLang="zh-CN" dirty="0"/>
-          </a:p>
-          <a:p>
-            <a:r>
-              <a:rPr lang="zh-CN" altLang="en-US" dirty="0"/>
-              <a:t>加特征选择但无噪声</a:t>
-            </a:r>
-            <a:endParaRPr lang="en-US" altLang="zh-CN" dirty="0"/>
-          </a:p>
-          <a:p>
-            <a:r>
-              <a:rPr lang="zh-CN" altLang="en-US" dirty="0"/>
-              <a:t>噪声变大算法效果趋势</a:t>
-            </a:r>
-            <a:endParaRPr lang="en-US" altLang="zh-CN" dirty="0"/>
-          </a:p>
-          <a:p>
-            <a:r>
-              <a:rPr lang="zh-CN" altLang="en-US" dirty="0"/>
-              <a:t>分量之间差去掉（先对比）</a:t>
-            </a:r>
-          </a:p>
-        </p:txBody>
-      </p:sp>
-      <p:pic>
-        <p:nvPicPr>
-          <p:cNvPr id="8" name="图片 7">
-            <a:extLst>
-              <a:ext uri="{FF2B5EF4-FFF2-40B4-BE49-F238E27FC236}">
-                <a16:creationId xmlns:a16="http://schemas.microsoft.com/office/drawing/2014/main" id="{95D69D2F-4673-040B-A30B-096BF3E84957}"/>
-              </a:ext>
-            </a:extLst>
-          </p:cNvPr>
-          <p:cNvPicPr>
-            <a:picLocks noChangeAspect="1"/>
-          </p:cNvPicPr>
-          <p:nvPr/>
-        </p:nvPicPr>
-        <p:blipFill>
-          <a:blip r:embed="rId2">
-            <a:extLst>
-              <a:ext uri="{28A0092B-C50C-407E-A947-70E740481C1C}">
-                <a14:useLocalDpi xmlns:a14="http://schemas.microsoft.com/office/drawing/2010/main" val="0"/>
-              </a:ext>
-            </a:extLst>
-          </a:blip>
-          <a:stretch>
-            <a:fillRect/>
-          </a:stretch>
-        </p:blipFill>
-        <p:spPr>
-          <a:xfrm>
-            <a:off x="746332" y="1450895"/>
-            <a:ext cx="5852172" cy="4389129"/>
-          </a:xfrm>
-          <a:prstGeom prst="rect">
-            <a:avLst/>
-          </a:prstGeom>
-        </p:spPr>
-      </p:pic>
-    </p:spTree>
-    <p:extLst>
-      <p:ext uri="{BB962C8B-B14F-4D97-AF65-F5344CB8AC3E}">
-        <p14:creationId xmlns:p14="http://schemas.microsoft.com/office/powerpoint/2010/main" val="3884249665"/>
-      </p:ext>
-    </p:extLst>
-  </p:cSld>
-  <p:clrMapOvr>
-    <a:masterClrMapping/>
-  </p:clrMapOvr>
-</p:sld>
-</file>
-
-<file path=ppt/slides/slide6.xml><?xml version="1.0" encoding="utf-8"?>
-<p:sld xmlns:a="http://schemas.openxmlformats.org/drawingml/2006/main" xmlns:r="http://schemas.openxmlformats.org/officeDocument/2006/relationships" xmlns:p="http://schemas.openxmlformats.org/presentationml/2006/main">
-  <p:cSld>
-    <p:spTree>
-      <p:nvGrpSpPr>
-        <p:cNvPr id="1" name=""/>
-        <p:cNvGrpSpPr/>
-        <p:nvPr/>
-      </p:nvGrpSpPr>
-      <p:grpSpPr>
-        <a:xfrm>
-          <a:off x="0" y="0"/>
-          <a:ext cx="0" cy="0"/>
-          <a:chOff x="0" y="0"/>
-          <a:chExt cx="0" cy="0"/>
-        </a:xfrm>
-      </p:grpSpPr>
-      <p:sp>
-        <p:nvSpPr>
-          <p:cNvPr id="2" name="矩形 1">
-            <a:extLst>
-              <a:ext uri="{FF2B5EF4-FFF2-40B4-BE49-F238E27FC236}">
-                <a16:creationId xmlns:a16="http://schemas.microsoft.com/office/drawing/2014/main" id="{AA84469A-F4CD-472D-91E9-01107890EA7A}"/>
-              </a:ext>
-            </a:extLst>
-          </p:cNvPr>
-          <p:cNvSpPr/>
-          <p:nvPr/>
-        </p:nvSpPr>
-        <p:spPr>
-          <a:xfrm>
-            <a:off x="499533" y="501640"/>
-            <a:ext cx="11065933" cy="1600438"/>
-          </a:xfrm>
-          <a:prstGeom prst="rect">
-            <a:avLst/>
-          </a:prstGeom>
-        </p:spPr>
-        <p:txBody>
-          <a:bodyPr wrap="square">
-            <a:spAutoFit/>
-          </a:bodyPr>
-          <a:lstStyle/>
-          <a:p>
-            <a:r>
-              <a:rPr lang="zh-CN" altLang="en-US" sz="1400" dirty="0"/>
-              <a:t>加噪声</a:t>
-            </a:r>
-            <a:r>
-              <a:rPr lang="en-US" altLang="zh-CN" sz="1400" dirty="0" err="1"/>
-              <a:t>mae</a:t>
-            </a:r>
-            <a:r>
-              <a:rPr lang="en-US" altLang="zh-CN" sz="1400" dirty="0"/>
-              <a:t>——0.11995559922533103,rmse——0.13151789860245602</a:t>
-            </a:r>
-          </a:p>
-          <a:p>
-            <a:r>
-              <a:rPr lang="en-US" altLang="zh-CN" sz="1400" dirty="0"/>
-              <a:t>XGB</a:t>
-            </a:r>
-            <a:r>
-              <a:rPr lang="zh-CN" altLang="en-US" sz="1400" dirty="0"/>
-              <a:t>加噪声加特征选择算法</a:t>
-            </a:r>
-            <a:r>
-              <a:rPr lang="en-US" altLang="zh-CN" sz="1400" dirty="0" err="1"/>
-              <a:t>mae</a:t>
-            </a:r>
-            <a:r>
-              <a:rPr lang="en-US" altLang="zh-CN" sz="1400" dirty="0"/>
-              <a:t>——0.05938308546268871,rmse——0.06296878643063888</a:t>
-            </a:r>
-          </a:p>
-          <a:p>
-            <a:r>
-              <a:rPr lang="en-US" altLang="zh-CN" sz="1400" dirty="0"/>
-              <a:t>LR</a:t>
-            </a:r>
-            <a:r>
-              <a:rPr lang="zh-CN" altLang="en-US" sz="1400" dirty="0"/>
-              <a:t>加噪声加特征选择算法</a:t>
-            </a:r>
-            <a:r>
-              <a:rPr lang="en-US" altLang="zh-CN" sz="1400" dirty="0" err="1"/>
-              <a:t>mae</a:t>
-            </a:r>
-            <a:r>
-              <a:rPr lang="en-US" altLang="zh-CN" sz="1400" dirty="0"/>
-              <a:t>——0.02999314554831794,rmse——0.03232256056641626</a:t>
-            </a:r>
-          </a:p>
-          <a:p>
-            <a:r>
-              <a:rPr lang="en-US" altLang="zh-CN" sz="1400" dirty="0"/>
-              <a:t>TLS</a:t>
-            </a:r>
-            <a:r>
-              <a:rPr lang="zh-CN" altLang="en-US" sz="1400" dirty="0"/>
-              <a:t>加噪声加特征选择算法</a:t>
-            </a:r>
-            <a:r>
-              <a:rPr lang="en-US" altLang="zh-CN" sz="1400" dirty="0" err="1"/>
-              <a:t>mae</a:t>
-            </a:r>
-            <a:r>
-              <a:rPr lang="en-US" altLang="zh-CN" sz="1400" dirty="0"/>
-              <a:t>——0.0573134011271229,rmse——0.060457389189286906</a:t>
-            </a:r>
-          </a:p>
-          <a:p>
-            <a:r>
-              <a:rPr lang="en-US" altLang="zh-CN" sz="1400" dirty="0"/>
-              <a:t>CNN</a:t>
-            </a:r>
-            <a:r>
-              <a:rPr lang="zh-CN" altLang="en-US" sz="1400" dirty="0"/>
-              <a:t>加噪声加特征选择算法</a:t>
-            </a:r>
-            <a:r>
-              <a:rPr lang="en-US" altLang="zh-CN" sz="1400" dirty="0" err="1"/>
-              <a:t>mae</a:t>
-            </a:r>
-            <a:r>
-              <a:rPr lang="en-US" altLang="zh-CN" sz="1400" dirty="0"/>
-              <a:t>——0.30667768673482293,rmse——0.3098768224774491</a:t>
-            </a:r>
-          </a:p>
-          <a:p>
-            <a:r>
-              <a:rPr lang="en-US" altLang="zh-CN" sz="1400" dirty="0"/>
-              <a:t>SVM</a:t>
-            </a:r>
-            <a:r>
-              <a:rPr lang="zh-CN" altLang="en-US" sz="1400" dirty="0"/>
-              <a:t>加噪声加特征选择算法</a:t>
-            </a:r>
-            <a:r>
-              <a:rPr lang="en-US" altLang="zh-CN" sz="1400" dirty="0" err="1"/>
-              <a:t>mae</a:t>
-            </a:r>
-            <a:r>
-              <a:rPr lang="en-US" altLang="zh-CN" sz="1400" dirty="0"/>
-              <a:t>——0.15160527534433083,rmse——0.1544007502990881</a:t>
-            </a:r>
-          </a:p>
-          <a:p>
-            <a:r>
-              <a:rPr lang="en-US" altLang="zh-CN" sz="1400" dirty="0"/>
-              <a:t>GPR</a:t>
-            </a:r>
-            <a:r>
-              <a:rPr lang="zh-CN" altLang="en-US" sz="1400" dirty="0"/>
-              <a:t>加噪声加特征选择算法</a:t>
-            </a:r>
-            <a:r>
-              <a:rPr lang="en-US" altLang="zh-CN" sz="1400" dirty="0" err="1"/>
-              <a:t>mae</a:t>
-            </a:r>
-            <a:r>
-              <a:rPr lang="en-US" altLang="zh-CN" sz="1400" dirty="0"/>
-              <a:t>——0.6082472917982797,rmse——0.801039970025873</a:t>
-            </a:r>
-            <a:endParaRPr lang="zh-CN" altLang="en-US" sz="1400" dirty="0"/>
-          </a:p>
-        </p:txBody>
-      </p:sp>
-    </p:spTree>
-    <p:extLst>
-      <p:ext uri="{BB962C8B-B14F-4D97-AF65-F5344CB8AC3E}">
-        <p14:creationId xmlns:p14="http://schemas.microsoft.com/office/powerpoint/2010/main" val="1070420701"/>
-      </p:ext>
-    </p:extLst>
-  </p:cSld>
-  <p:clrMapOvr>
-    <a:masterClrMapping/>
-  </p:clrMapOvr>
-</p:sld>
-</file>
-
-<file path=ppt/slides/slide7.xml><?xml version="1.0" encoding="utf-8"?>
-<p:sld xmlns:a="http://schemas.openxmlformats.org/drawingml/2006/main" xmlns:r="http://schemas.openxmlformats.org/officeDocument/2006/relationships" xmlns:p="http://schemas.openxmlformats.org/presentationml/2006/main">
-  <p:cSld>
-    <p:spTree>
-      <p:nvGrpSpPr>
-        <p:cNvPr id="1" name=""/>
-        <p:cNvGrpSpPr/>
-        <p:nvPr/>
-      </p:nvGrpSpPr>
-      <p:grpSpPr>
-        <a:xfrm>
-          <a:off x="0" y="0"/>
-          <a:ext cx="0" cy="0"/>
-          <a:chOff x="0" y="0"/>
-          <a:chExt cx="0" cy="0"/>
-        </a:xfrm>
-      </p:grpSpPr>
-    </p:spTree>
-    <p:extLst>
-      <p:ext uri="{BB962C8B-B14F-4D97-AF65-F5344CB8AC3E}">
-        <p14:creationId xmlns:p14="http://schemas.microsoft.com/office/powerpoint/2010/main" val="599798250"/>
-      </p:ext>
-    </p:extLst>
-  </p:cSld>
-  <p:clrMapOvr>
-    <a:masterClrMapping/>
-  </p:clrMapOvr>
-</p:sld>
-</file>
-
 <file path=ppt/slides/slide8.xml><?xml version="1.0" encoding="utf-8"?>
 <p:sld xmlns:a="http://schemas.openxmlformats.org/drawingml/2006/main" xmlns:r="http://schemas.openxmlformats.org/officeDocument/2006/relationships" xmlns:p="http://schemas.openxmlformats.org/presentationml/2006/main">
   <p:cSld>
@@ -8947,7 +9020,7 @@
         <p:spPr>
           <a:xfrm>
             <a:off x="1023115" y="305942"/>
-            <a:ext cx="9794514" cy="1316258"/>
+            <a:ext cx="9794514" cy="1319336"/>
           </a:xfrm>
           <a:prstGeom prst="rect">
             <a:avLst/>
@@ -8966,15 +9039,18 @@
               </a:lnSpc>
             </a:pPr>
             <a:r>
-              <a:rPr lang="en-US" altLang="zh-CN" sz="2800" b="0" i="0" dirty="0">
-                <a:solidFill>
-                  <a:srgbClr val="000000"/>
-                </a:solidFill>
-                <a:effectLst/>
-                <a:latin typeface="Arial" panose="020B0604020202020204" pitchFamily="34" charset="0"/>
+              <a:rPr lang="en-US" altLang="zh-CN" sz="2800" b="1" dirty="0">
+                <a:latin typeface="+mn-ea"/>
               </a:rPr>
-              <a:t>Remaining Useful Life Prediction for Lithium-Ion Battery: A Deep Learning Approach</a:t>
-            </a:r>
+              <a:t>result</a:t>
+            </a:r>
+          </a:p>
+          <a:p>
+            <a:pPr>
+              <a:lnSpc>
+                <a:spcPct val="150000"/>
+              </a:lnSpc>
+            </a:pPr>
             <a:endParaRPr lang="en-US" altLang="zh-CN" sz="2800" b="1" dirty="0">
               <a:latin typeface="+mn-ea"/>
             </a:endParaRPr>
@@ -8983,10 +9059,10 @@
       </p:sp>
       <p:pic>
         <p:nvPicPr>
-          <p:cNvPr id="5" name="图片 4">
-            <a:extLst>
-              <a:ext uri="{FF2B5EF4-FFF2-40B4-BE49-F238E27FC236}">
-                <a16:creationId xmlns:a16="http://schemas.microsoft.com/office/drawing/2014/main" id="{59D1D5BD-ECD7-7680-E84A-172EE573C7FF}"/>
+          <p:cNvPr id="9" name="图片 8">
+            <a:extLst>
+              <a:ext uri="{FF2B5EF4-FFF2-40B4-BE49-F238E27FC236}">
+                <a16:creationId xmlns:a16="http://schemas.microsoft.com/office/drawing/2014/main" id="{E4642D61-A4CB-F1B7-3985-C78F75F8C263}"/>
               </a:ext>
             </a:extLst>
           </p:cNvPr>
@@ -9003,8 +9079,38 @@
         </p:blipFill>
         <p:spPr>
           <a:xfrm>
-            <a:off x="6409124" y="2716639"/>
-            <a:ext cx="5620644" cy="4067619"/>
+            <a:off x="889117" y="1479030"/>
+            <a:ext cx="9985038" cy="1279929"/>
+          </a:xfrm>
+          <a:prstGeom prst="rect">
+            <a:avLst/>
+          </a:prstGeom>
+        </p:spPr>
+      </p:pic>
+      <p:pic>
+        <p:nvPicPr>
+          <p:cNvPr id="5" name="图片 4">
+            <a:extLst>
+              <a:ext uri="{FF2B5EF4-FFF2-40B4-BE49-F238E27FC236}">
+                <a16:creationId xmlns:a16="http://schemas.microsoft.com/office/drawing/2014/main" id="{A0A00F65-25FE-CC82-7AE8-70C2317FFC10}"/>
+              </a:ext>
+            </a:extLst>
+          </p:cNvPr>
+          <p:cNvPicPr>
+            <a:picLocks noChangeAspect="1"/>
+          </p:cNvPicPr>
+          <p:nvPr/>
+        </p:nvPicPr>
+        <p:blipFill>
+          <a:blip r:embed="rId3"/>
+          <a:stretch>
+            <a:fillRect/>
+          </a:stretch>
+        </p:blipFill>
+        <p:spPr>
+          <a:xfrm>
+            <a:off x="889117" y="3227814"/>
+            <a:ext cx="9427335" cy="1504278"/>
           </a:xfrm>
           <a:prstGeom prst="rect">
             <a:avLst/>
@@ -9014,7 +9120,7 @@
     </p:spTree>
     <p:extLst>
       <p:ext uri="{BB962C8B-B14F-4D97-AF65-F5344CB8AC3E}">
-        <p14:creationId xmlns:p14="http://schemas.microsoft.com/office/powerpoint/2010/main" val="3774438495"/>
+        <p14:creationId xmlns:p14="http://schemas.microsoft.com/office/powerpoint/2010/main" val="429628039"/>
       </p:ext>
     </p:extLst>
   </p:cSld>
@@ -9056,7 +9162,7 @@
         <p:spPr>
           <a:xfrm>
             <a:off x="1023115" y="305942"/>
-            <a:ext cx="9794514" cy="669927"/>
+            <a:ext cx="9794514" cy="1319336"/>
           </a:xfrm>
           <a:prstGeom prst="rect">
             <a:avLst/>
@@ -9075,15 +9181,18 @@
               </a:lnSpc>
             </a:pPr>
             <a:r>
-              <a:rPr lang="en-US" altLang="zh-CN" sz="2800" b="0" i="0" dirty="0">
-                <a:solidFill>
-                  <a:srgbClr val="000000"/>
-                </a:solidFill>
-                <a:effectLst/>
-                <a:latin typeface="Arial" panose="020B0604020202020204" pitchFamily="34" charset="0"/>
+              <a:rPr lang="en-US" altLang="zh-CN" sz="2800" b="1" dirty="0">
+                <a:latin typeface="+mn-ea"/>
               </a:rPr>
-              <a:t>HI feature</a:t>
-            </a:r>
+              <a:t>result</a:t>
+            </a:r>
+          </a:p>
+          <a:p>
+            <a:pPr>
+              <a:lnSpc>
+                <a:spcPct val="150000"/>
+              </a:lnSpc>
+            </a:pPr>
             <a:endParaRPr lang="en-US" altLang="zh-CN" sz="2800" b="1" dirty="0">
               <a:latin typeface="+mn-ea"/>
             </a:endParaRPr>
@@ -9092,10 +9201,10 @@
       </p:sp>
       <p:pic>
         <p:nvPicPr>
-          <p:cNvPr id="12" name="图片 11">
-            <a:extLst>
-              <a:ext uri="{FF2B5EF4-FFF2-40B4-BE49-F238E27FC236}">
-                <a16:creationId xmlns:a16="http://schemas.microsoft.com/office/drawing/2014/main" id="{CE0DE971-1827-1F09-D900-4D8E6C4E91A9}"/>
+          <p:cNvPr id="6" name="图片 5">
+            <a:extLst>
+              <a:ext uri="{FF2B5EF4-FFF2-40B4-BE49-F238E27FC236}">
+                <a16:creationId xmlns:a16="http://schemas.microsoft.com/office/drawing/2014/main" id="{F2A14FFF-E449-6B7C-210E-8D8C2FCFD0FF}"/>
               </a:ext>
             </a:extLst>
           </p:cNvPr>
@@ -9112,8 +9221,8 @@
         </p:blipFill>
         <p:spPr>
           <a:xfrm>
-            <a:off x="509145" y="1231490"/>
-            <a:ext cx="3373455" cy="5046424"/>
+            <a:off x="1023115" y="1188277"/>
+            <a:ext cx="9352234" cy="1505799"/>
           </a:xfrm>
           <a:prstGeom prst="rect">
             <a:avLst/>
@@ -9122,10 +9231,10 @@
       </p:pic>
       <p:pic>
         <p:nvPicPr>
-          <p:cNvPr id="5" name="图片 4">
-            <a:extLst>
-              <a:ext uri="{FF2B5EF4-FFF2-40B4-BE49-F238E27FC236}">
-                <a16:creationId xmlns:a16="http://schemas.microsoft.com/office/drawing/2014/main" id="{9CADBAAA-6059-C4E6-5EB2-1804899E5E36}"/>
+          <p:cNvPr id="8" name="图片 7">
+            <a:extLst>
+              <a:ext uri="{FF2B5EF4-FFF2-40B4-BE49-F238E27FC236}">
+                <a16:creationId xmlns:a16="http://schemas.microsoft.com/office/drawing/2014/main" id="{8214A146-C57F-1E62-CAB6-0A566AC5B4ED}"/>
               </a:ext>
             </a:extLst>
           </p:cNvPr>
@@ -9142,127 +9251,18 @@
         </p:blipFill>
         <p:spPr>
           <a:xfrm>
-            <a:off x="4224351" y="1231490"/>
-            <a:ext cx="3392041" cy="5046424"/>
+            <a:off x="1023115" y="3143604"/>
+            <a:ext cx="9352234" cy="1609608"/>
           </a:xfrm>
           <a:prstGeom prst="rect">
             <a:avLst/>
           </a:prstGeom>
         </p:spPr>
       </p:pic>
-      <p:sp>
-        <p:nvSpPr>
-          <p:cNvPr id="6" name="文本框 5">
-            <a:extLst>
-              <a:ext uri="{FF2B5EF4-FFF2-40B4-BE49-F238E27FC236}">
-                <a16:creationId xmlns:a16="http://schemas.microsoft.com/office/drawing/2014/main" id="{175839E0-46FE-9100-D73F-76269B4BAEB7}"/>
-              </a:ext>
-            </a:extLst>
-          </p:cNvPr>
-          <p:cNvSpPr txBox="1"/>
-          <p:nvPr/>
-        </p:nvSpPr>
-        <p:spPr>
-          <a:xfrm>
-            <a:off x="7958143" y="1231490"/>
-            <a:ext cx="3176434" cy="1754326"/>
-          </a:xfrm>
-          <a:prstGeom prst="rect">
-            <a:avLst/>
-          </a:prstGeom>
-          <a:noFill/>
-        </p:spPr>
-        <p:txBody>
-          <a:bodyPr wrap="square">
-            <a:spAutoFit/>
-          </a:bodyPr>
-          <a:lstStyle/>
-          <a:p>
-            <a:r>
-              <a:rPr lang="zh-CN" altLang="en-US" b="0" i="0" dirty="0">
-                <a:solidFill>
-                  <a:srgbClr val="000000"/>
-                </a:solidFill>
-                <a:effectLst/>
-                <a:latin typeface="+mn-ea"/>
-              </a:rPr>
-              <a:t>首先，提取图像的特征，利用自编码器模型进行特征融合</a:t>
-            </a:r>
-            <a:endParaRPr lang="en-US" altLang="zh-CN" b="0" i="0" dirty="0">
-              <a:solidFill>
-                <a:srgbClr val="000000"/>
-              </a:solidFill>
-              <a:effectLst/>
-              <a:latin typeface="+mn-ea"/>
-            </a:endParaRPr>
-          </a:p>
-          <a:p>
-            <a:endParaRPr lang="en-US" altLang="zh-CN" dirty="0">
-              <a:solidFill>
-                <a:srgbClr val="000000"/>
-              </a:solidFill>
-              <a:latin typeface="+mn-ea"/>
-            </a:endParaRPr>
-          </a:p>
-          <a:p>
-            <a:endParaRPr lang="en-US" altLang="zh-CN" b="0" i="0" dirty="0">
-              <a:solidFill>
-                <a:srgbClr val="000000"/>
-              </a:solidFill>
-              <a:effectLst/>
-              <a:latin typeface="+mn-ea"/>
-            </a:endParaRPr>
-          </a:p>
-          <a:p>
-            <a:r>
-              <a:rPr lang="zh-CN" altLang="en-US" dirty="0">
-                <a:solidFill>
-                  <a:srgbClr val="000000"/>
-                </a:solidFill>
-                <a:latin typeface="+mn-ea"/>
-              </a:rPr>
-              <a:t>其次，</a:t>
-            </a:r>
-            <a:r>
-              <a:rPr lang="zh-CN" altLang="en-US" b="0" i="0" dirty="0">
-                <a:solidFill>
-                  <a:srgbClr val="000000"/>
-                </a:solidFill>
-                <a:effectLst/>
-                <a:latin typeface="+mn-ea"/>
-              </a:rPr>
-              <a:t>将融合后的特征输入到</a:t>
-            </a:r>
-            <a:r>
-              <a:rPr lang="en-US" altLang="zh-CN" b="0" i="0" dirty="0">
-                <a:solidFill>
-                  <a:srgbClr val="000000"/>
-                </a:solidFill>
-                <a:effectLst/>
-                <a:latin typeface="+mn-ea"/>
-              </a:rPr>
-              <a:t>DNN</a:t>
-            </a:r>
-            <a:r>
-              <a:rPr lang="zh-CN" altLang="en-US" b="0" i="0" dirty="0">
-                <a:solidFill>
-                  <a:srgbClr val="000000"/>
-                </a:solidFill>
-                <a:effectLst/>
-                <a:latin typeface="+mn-ea"/>
-              </a:rPr>
-              <a:t>模型中</a:t>
-            </a:r>
-            <a:endParaRPr lang="zh-CN" altLang="en-US" dirty="0">
-              <a:latin typeface="+mn-ea"/>
-            </a:endParaRPr>
-          </a:p>
-        </p:txBody>
-      </p:sp>
     </p:spTree>
     <p:extLst>
       <p:ext uri="{BB962C8B-B14F-4D97-AF65-F5344CB8AC3E}">
-        <p14:creationId xmlns:p14="http://schemas.microsoft.com/office/powerpoint/2010/main" val="418033017"/>
+        <p14:creationId xmlns:p14="http://schemas.microsoft.com/office/powerpoint/2010/main" val="4207380212"/>
       </p:ext>
     </p:extLst>
   </p:cSld>
